--- a/Презентация/Принципы проектирования СОЕЯ интерфейсов.pptx
+++ b/Презентация/Принципы проектирования СОЕЯ интерфейсов.pptx
@@ -2,12 +2,12 @@
 <file path=ppt/presentation.xml><?xml version="1.0" encoding="utf-8"?>
 <p:presentation xmlns:a="http://schemas.openxmlformats.org/drawingml/2006/main" xmlns:r="http://schemas.openxmlformats.org/officeDocument/2006/relationships" xmlns:p="http://schemas.openxmlformats.org/presentationml/2006/main" saveSubsetFonts="1">
   <p:sldMasterIdLst>
-    <p:sldMasterId id="2147483660" r:id="rId1"/>
+    <p:sldMasterId id="2147483696" r:id="rId1"/>
   </p:sldMasterIdLst>
   <p:sldIdLst>
     <p:sldId id="257" r:id="rId2"/>
-    <p:sldId id="258" r:id="rId3"/>
-    <p:sldId id="268" r:id="rId4"/>
+    <p:sldId id="268" r:id="rId3"/>
+    <p:sldId id="258" r:id="rId4"/>
     <p:sldId id="259" r:id="rId5"/>
     <p:sldId id="260" r:id="rId6"/>
     <p:sldId id="266" r:id="rId7"/>
@@ -16,22 +16,23 @@
     <p:sldId id="269" r:id="rId10"/>
     <p:sldId id="270" r:id="rId11"/>
     <p:sldId id="271" r:id="rId12"/>
-    <p:sldId id="272" r:id="rId13"/>
+    <p:sldId id="284" r:id="rId13"/>
     <p:sldId id="273" r:id="rId14"/>
-    <p:sldId id="274" r:id="rId15"/>
-    <p:sldId id="262" r:id="rId16"/>
-    <p:sldId id="264" r:id="rId17"/>
-    <p:sldId id="265" r:id="rId18"/>
-    <p:sldId id="275" r:id="rId19"/>
-    <p:sldId id="276" r:id="rId20"/>
-    <p:sldId id="277" r:id="rId21"/>
-    <p:sldId id="278" r:id="rId22"/>
-    <p:sldId id="279" r:id="rId23"/>
-    <p:sldId id="280" r:id="rId24"/>
-    <p:sldId id="281" r:id="rId25"/>
-    <p:sldId id="282" r:id="rId26"/>
-    <p:sldId id="283" r:id="rId27"/>
-    <p:sldId id="267" r:id="rId28"/>
+    <p:sldId id="285" r:id="rId15"/>
+    <p:sldId id="274" r:id="rId16"/>
+    <p:sldId id="262" r:id="rId17"/>
+    <p:sldId id="264" r:id="rId18"/>
+    <p:sldId id="265" r:id="rId19"/>
+    <p:sldId id="272" r:id="rId20"/>
+    <p:sldId id="275" r:id="rId21"/>
+    <p:sldId id="276" r:id="rId22"/>
+    <p:sldId id="277" r:id="rId23"/>
+    <p:sldId id="278" r:id="rId24"/>
+    <p:sldId id="280" r:id="rId25"/>
+    <p:sldId id="281" r:id="rId26"/>
+    <p:sldId id="282" r:id="rId27"/>
+    <p:sldId id="283" r:id="rId28"/>
+    <p:sldId id="267" r:id="rId29"/>
   </p:sldIdLst>
   <p:sldSz cx="12192000" cy="6858000"/>
   <p:notesSz cx="6858000" cy="9144000"/>
@@ -324,7 +325,7 @@
           <a:p>
             <a:fld id="{62039D10-B407-417D-B9A7-5ABFBCE35229}" type="datetimeFigureOut">
               <a:rPr lang="ru-RU" smtClean="0"/>
-              <a:t>16.05.2022</a:t>
+              <a:t>22.05.2022</a:t>
             </a:fld>
             <a:endParaRPr lang="ru-RU"/>
           </a:p>
@@ -375,7 +376,7 @@
     </p:spTree>
     <p:extLst>
       <p:ext uri="{BB962C8B-B14F-4D97-AF65-F5344CB8AC3E}">
-        <p14:creationId xmlns:p14="http://schemas.microsoft.com/office/powerpoint/2010/main" val="262332729"/>
+        <p14:creationId xmlns:p14="http://schemas.microsoft.com/office/powerpoint/2010/main" val="3930780380"/>
       </p:ext>
     </p:extLst>
   </p:cSld>
@@ -599,7 +600,7 @@
           <a:p>
             <a:fld id="{62039D10-B407-417D-B9A7-5ABFBCE35229}" type="datetimeFigureOut">
               <a:rPr lang="ru-RU" smtClean="0"/>
-              <a:t>16.05.2022</a:t>
+              <a:t>22.05.2022</a:t>
             </a:fld>
             <a:endParaRPr lang="ru-RU"/>
           </a:p>
@@ -650,7 +651,7 @@
     </p:spTree>
     <p:extLst>
       <p:ext uri="{BB962C8B-B14F-4D97-AF65-F5344CB8AC3E}">
-        <p14:creationId xmlns:p14="http://schemas.microsoft.com/office/powerpoint/2010/main" val="3135885131"/>
+        <p14:creationId xmlns:p14="http://schemas.microsoft.com/office/powerpoint/2010/main" val="503261822"/>
       </p:ext>
     </p:extLst>
   </p:cSld>
@@ -793,7 +794,7 @@
           <a:p>
             <a:fld id="{62039D10-B407-417D-B9A7-5ABFBCE35229}" type="datetimeFigureOut">
               <a:rPr lang="ru-RU" smtClean="0"/>
-              <a:t>16.05.2022</a:t>
+              <a:t>22.05.2022</a:t>
             </a:fld>
             <a:endParaRPr lang="ru-RU"/>
           </a:p>
@@ -844,7 +845,7 @@
     </p:spTree>
     <p:extLst>
       <p:ext uri="{BB962C8B-B14F-4D97-AF65-F5344CB8AC3E}">
-        <p14:creationId xmlns:p14="http://schemas.microsoft.com/office/powerpoint/2010/main" val="993792248"/>
+        <p14:creationId xmlns:p14="http://schemas.microsoft.com/office/powerpoint/2010/main" val="2029150557"/>
       </p:ext>
     </p:extLst>
   </p:cSld>
@@ -1066,7 +1067,7 @@
           <a:p>
             <a:fld id="{62039D10-B407-417D-B9A7-5ABFBCE35229}" type="datetimeFigureOut">
               <a:rPr lang="ru-RU" smtClean="0"/>
-              <a:t>16.05.2022</a:t>
+              <a:t>22.05.2022</a:t>
             </a:fld>
             <a:endParaRPr lang="ru-RU"/>
           </a:p>
@@ -1211,7 +1212,7 @@
     </p:spTree>
     <p:extLst>
       <p:ext uri="{BB962C8B-B14F-4D97-AF65-F5344CB8AC3E}">
-        <p14:creationId xmlns:p14="http://schemas.microsoft.com/office/powerpoint/2010/main" val="64372342"/>
+        <p14:creationId xmlns:p14="http://schemas.microsoft.com/office/powerpoint/2010/main" val="2680684179"/>
       </p:ext>
     </p:extLst>
   </p:cSld>
@@ -1407,7 +1408,7 @@
           <a:p>
             <a:fld id="{62039D10-B407-417D-B9A7-5ABFBCE35229}" type="datetimeFigureOut">
               <a:rPr lang="ru-RU" smtClean="0"/>
-              <a:t>16.05.2022</a:t>
+              <a:t>22.05.2022</a:t>
             </a:fld>
             <a:endParaRPr lang="ru-RU"/>
           </a:p>
@@ -1458,7 +1459,7 @@
     </p:spTree>
     <p:extLst>
       <p:ext uri="{BB962C8B-B14F-4D97-AF65-F5344CB8AC3E}">
-        <p14:creationId xmlns:p14="http://schemas.microsoft.com/office/powerpoint/2010/main" val="3315654891"/>
+        <p14:creationId xmlns:p14="http://schemas.microsoft.com/office/powerpoint/2010/main" val="2227185542"/>
       </p:ext>
     </p:extLst>
   </p:cSld>
@@ -2030,7 +2031,7 @@
           <a:p>
             <a:fld id="{62039D10-B407-417D-B9A7-5ABFBCE35229}" type="datetimeFigureOut">
               <a:rPr lang="ru-RU" smtClean="0"/>
-              <a:t>16.05.2022</a:t>
+              <a:t>22.05.2022</a:t>
             </a:fld>
             <a:endParaRPr lang="ru-RU"/>
           </a:p>
@@ -2081,7 +2082,7 @@
     </p:spTree>
     <p:extLst>
       <p:ext uri="{BB962C8B-B14F-4D97-AF65-F5344CB8AC3E}">
-        <p14:creationId xmlns:p14="http://schemas.microsoft.com/office/powerpoint/2010/main" val="2949430966"/>
+        <p14:creationId xmlns:p14="http://schemas.microsoft.com/office/powerpoint/2010/main" val="2614481508"/>
       </p:ext>
     </p:extLst>
   </p:cSld>
@@ -2890,7 +2891,7 @@
           <a:p>
             <a:fld id="{62039D10-B407-417D-B9A7-5ABFBCE35229}" type="datetimeFigureOut">
               <a:rPr lang="ru-RU" smtClean="0"/>
-              <a:t>16.05.2022</a:t>
+              <a:t>22.05.2022</a:t>
             </a:fld>
             <a:endParaRPr lang="ru-RU"/>
           </a:p>
@@ -2941,7 +2942,7 @@
     </p:spTree>
     <p:extLst>
       <p:ext uri="{BB962C8B-B14F-4D97-AF65-F5344CB8AC3E}">
-        <p14:creationId xmlns:p14="http://schemas.microsoft.com/office/powerpoint/2010/main" val="2747864352"/>
+        <p14:creationId xmlns:p14="http://schemas.microsoft.com/office/powerpoint/2010/main" val="3984552149"/>
       </p:ext>
     </p:extLst>
   </p:cSld>
@@ -3060,7 +3061,7 @@
           <a:p>
             <a:fld id="{62039D10-B407-417D-B9A7-5ABFBCE35229}" type="datetimeFigureOut">
               <a:rPr lang="ru-RU" smtClean="0"/>
-              <a:t>16.05.2022</a:t>
+              <a:t>22.05.2022</a:t>
             </a:fld>
             <a:endParaRPr lang="ru-RU"/>
           </a:p>
@@ -3111,7 +3112,7 @@
     </p:spTree>
     <p:extLst>
       <p:ext uri="{BB962C8B-B14F-4D97-AF65-F5344CB8AC3E}">
-        <p14:creationId xmlns:p14="http://schemas.microsoft.com/office/powerpoint/2010/main" val="3707212515"/>
+        <p14:creationId xmlns:p14="http://schemas.microsoft.com/office/powerpoint/2010/main" val="1194299533"/>
       </p:ext>
     </p:extLst>
   </p:cSld>
@@ -3240,7 +3241,7 @@
           <a:p>
             <a:fld id="{62039D10-B407-417D-B9A7-5ABFBCE35229}" type="datetimeFigureOut">
               <a:rPr lang="ru-RU" smtClean="0"/>
-              <a:t>16.05.2022</a:t>
+              <a:t>22.05.2022</a:t>
             </a:fld>
             <a:endParaRPr lang="ru-RU"/>
           </a:p>
@@ -3291,7 +3292,7 @@
     </p:spTree>
     <p:extLst>
       <p:ext uri="{BB962C8B-B14F-4D97-AF65-F5344CB8AC3E}">
-        <p14:creationId xmlns:p14="http://schemas.microsoft.com/office/powerpoint/2010/main" val="642704888"/>
+        <p14:creationId xmlns:p14="http://schemas.microsoft.com/office/powerpoint/2010/main" val="114441855"/>
       </p:ext>
     </p:extLst>
   </p:cSld>
@@ -3410,7 +3411,7 @@
           <a:p>
             <a:fld id="{62039D10-B407-417D-B9A7-5ABFBCE35229}" type="datetimeFigureOut">
               <a:rPr lang="ru-RU" smtClean="0"/>
-              <a:t>16.05.2022</a:t>
+              <a:t>22.05.2022</a:t>
             </a:fld>
             <a:endParaRPr lang="ru-RU"/>
           </a:p>
@@ -3461,7 +3462,7 @@
     </p:spTree>
     <p:extLst>
       <p:ext uri="{BB962C8B-B14F-4D97-AF65-F5344CB8AC3E}">
-        <p14:creationId xmlns:p14="http://schemas.microsoft.com/office/powerpoint/2010/main" val="11372286"/>
+        <p14:creationId xmlns:p14="http://schemas.microsoft.com/office/powerpoint/2010/main" val="978707882"/>
       </p:ext>
     </p:extLst>
   </p:cSld>
@@ -3657,7 +3658,7 @@
           <a:p>
             <a:fld id="{62039D10-B407-417D-B9A7-5ABFBCE35229}" type="datetimeFigureOut">
               <a:rPr lang="ru-RU" smtClean="0"/>
-              <a:t>16.05.2022</a:t>
+              <a:t>22.05.2022</a:t>
             </a:fld>
             <a:endParaRPr lang="ru-RU"/>
           </a:p>
@@ -3708,7 +3709,7 @@
     </p:spTree>
     <p:extLst>
       <p:ext uri="{BB962C8B-B14F-4D97-AF65-F5344CB8AC3E}">
-        <p14:creationId xmlns:p14="http://schemas.microsoft.com/office/powerpoint/2010/main" val="1120063758"/>
+        <p14:creationId xmlns:p14="http://schemas.microsoft.com/office/powerpoint/2010/main" val="279192027"/>
       </p:ext>
     </p:extLst>
   </p:cSld>
@@ -3949,7 +3950,7 @@
           <a:p>
             <a:fld id="{62039D10-B407-417D-B9A7-5ABFBCE35229}" type="datetimeFigureOut">
               <a:rPr lang="ru-RU" smtClean="0"/>
-              <a:t>16.05.2022</a:t>
+              <a:t>22.05.2022</a:t>
             </a:fld>
             <a:endParaRPr lang="ru-RU"/>
           </a:p>
@@ -4000,7 +4001,7 @@
     </p:spTree>
     <p:extLst>
       <p:ext uri="{BB962C8B-B14F-4D97-AF65-F5344CB8AC3E}">
-        <p14:creationId xmlns:p14="http://schemas.microsoft.com/office/powerpoint/2010/main" val="1921063366"/>
+        <p14:creationId xmlns:p14="http://schemas.microsoft.com/office/powerpoint/2010/main" val="1899151442"/>
       </p:ext>
     </p:extLst>
   </p:cSld>
@@ -4393,7 +4394,7 @@
           <a:p>
             <a:fld id="{62039D10-B407-417D-B9A7-5ABFBCE35229}" type="datetimeFigureOut">
               <a:rPr lang="ru-RU" smtClean="0"/>
-              <a:t>16.05.2022</a:t>
+              <a:t>22.05.2022</a:t>
             </a:fld>
             <a:endParaRPr lang="ru-RU"/>
           </a:p>
@@ -4444,7 +4445,7 @@
     </p:spTree>
     <p:extLst>
       <p:ext uri="{BB962C8B-B14F-4D97-AF65-F5344CB8AC3E}">
-        <p14:creationId xmlns:p14="http://schemas.microsoft.com/office/powerpoint/2010/main" val="1641722149"/>
+        <p14:creationId xmlns:p14="http://schemas.microsoft.com/office/powerpoint/2010/main" val="123989018"/>
       </p:ext>
     </p:extLst>
   </p:cSld>
@@ -4511,7 +4512,7 @@
           <a:p>
             <a:fld id="{62039D10-B407-417D-B9A7-5ABFBCE35229}" type="datetimeFigureOut">
               <a:rPr lang="ru-RU" smtClean="0"/>
-              <a:t>16.05.2022</a:t>
+              <a:t>22.05.2022</a:t>
             </a:fld>
             <a:endParaRPr lang="ru-RU"/>
           </a:p>
@@ -4562,7 +4563,7 @@
     </p:spTree>
     <p:extLst>
       <p:ext uri="{BB962C8B-B14F-4D97-AF65-F5344CB8AC3E}">
-        <p14:creationId xmlns:p14="http://schemas.microsoft.com/office/powerpoint/2010/main" val="1065259081"/>
+        <p14:creationId xmlns:p14="http://schemas.microsoft.com/office/powerpoint/2010/main" val="2625509557"/>
       </p:ext>
     </p:extLst>
   </p:cSld>
@@ -4606,7 +4607,7 @@
           <a:p>
             <a:fld id="{62039D10-B407-417D-B9A7-5ABFBCE35229}" type="datetimeFigureOut">
               <a:rPr lang="ru-RU" smtClean="0"/>
-              <a:t>16.05.2022</a:t>
+              <a:t>22.05.2022</a:t>
             </a:fld>
             <a:endParaRPr lang="ru-RU"/>
           </a:p>
@@ -4657,7 +4658,7 @@
     </p:spTree>
     <p:extLst>
       <p:ext uri="{BB962C8B-B14F-4D97-AF65-F5344CB8AC3E}">
-        <p14:creationId xmlns:p14="http://schemas.microsoft.com/office/powerpoint/2010/main" val="2842350114"/>
+        <p14:creationId xmlns:p14="http://schemas.microsoft.com/office/powerpoint/2010/main" val="10111835"/>
       </p:ext>
     </p:extLst>
   </p:cSld>
@@ -4885,7 +4886,7 @@
           <a:p>
             <a:fld id="{62039D10-B407-417D-B9A7-5ABFBCE35229}" type="datetimeFigureOut">
               <a:rPr lang="ru-RU" smtClean="0"/>
-              <a:t>16.05.2022</a:t>
+              <a:t>22.05.2022</a:t>
             </a:fld>
             <a:endParaRPr lang="ru-RU"/>
           </a:p>
@@ -4936,7 +4937,7 @@
     </p:spTree>
     <p:extLst>
       <p:ext uri="{BB962C8B-B14F-4D97-AF65-F5344CB8AC3E}">
-        <p14:creationId xmlns:p14="http://schemas.microsoft.com/office/powerpoint/2010/main" val="3149553303"/>
+        <p14:creationId xmlns:p14="http://schemas.microsoft.com/office/powerpoint/2010/main" val="4176367876"/>
       </p:ext>
     </p:extLst>
   </p:cSld>
@@ -5160,7 +5161,7 @@
           <a:p>
             <a:fld id="{62039D10-B407-417D-B9A7-5ABFBCE35229}" type="datetimeFigureOut">
               <a:rPr lang="ru-RU" smtClean="0"/>
-              <a:t>16.05.2022</a:t>
+              <a:t>22.05.2022</a:t>
             </a:fld>
             <a:endParaRPr lang="ru-RU"/>
           </a:p>
@@ -5211,7 +5212,7 @@
     </p:spTree>
     <p:extLst>
       <p:ext uri="{BB962C8B-B14F-4D97-AF65-F5344CB8AC3E}">
-        <p14:creationId xmlns:p14="http://schemas.microsoft.com/office/powerpoint/2010/main" val="2082725287"/>
+        <p14:creationId xmlns:p14="http://schemas.microsoft.com/office/powerpoint/2010/main" val="1515633924"/>
       </p:ext>
     </p:extLst>
   </p:cSld>
@@ -5589,7 +5590,7 @@
           <a:p>
             <a:fld id="{62039D10-B407-417D-B9A7-5ABFBCE35229}" type="datetimeFigureOut">
               <a:rPr lang="ru-RU" smtClean="0"/>
-              <a:t>16.05.2022</a:t>
+              <a:t>22.05.2022</a:t>
             </a:fld>
             <a:endParaRPr lang="ru-RU"/>
           </a:p>
@@ -5677,29 +5678,29 @@
     </p:spTree>
     <p:extLst>
       <p:ext uri="{BB962C8B-B14F-4D97-AF65-F5344CB8AC3E}">
-        <p14:creationId xmlns:p14="http://schemas.microsoft.com/office/powerpoint/2010/main" val="515975865"/>
+        <p14:creationId xmlns:p14="http://schemas.microsoft.com/office/powerpoint/2010/main" val="878187133"/>
       </p:ext>
     </p:extLst>
   </p:cSld>
   <p:clrMap bg1="dk1" tx1="lt1" bg2="dk2" tx2="lt2" accent1="accent1" accent2="accent2" accent3="accent3" accent4="accent4" accent5="accent5" accent6="accent6" hlink="hlink" folHlink="folHlink"/>
   <p:sldLayoutIdLst>
-    <p:sldLayoutId id="2147483661" r:id="rId1"/>
-    <p:sldLayoutId id="2147483662" r:id="rId2"/>
-    <p:sldLayoutId id="2147483663" r:id="rId3"/>
-    <p:sldLayoutId id="2147483664" r:id="rId4"/>
-    <p:sldLayoutId id="2147483665" r:id="rId5"/>
-    <p:sldLayoutId id="2147483666" r:id="rId6"/>
-    <p:sldLayoutId id="2147483667" r:id="rId7"/>
-    <p:sldLayoutId id="2147483668" r:id="rId8"/>
-    <p:sldLayoutId id="2147483669" r:id="rId9"/>
-    <p:sldLayoutId id="2147483670" r:id="rId10"/>
-    <p:sldLayoutId id="2147483671" r:id="rId11"/>
-    <p:sldLayoutId id="2147483672" r:id="rId12"/>
-    <p:sldLayoutId id="2147483673" r:id="rId13"/>
-    <p:sldLayoutId id="2147483674" r:id="rId14"/>
-    <p:sldLayoutId id="2147483675" r:id="rId15"/>
-    <p:sldLayoutId id="2147483676" r:id="rId16"/>
-    <p:sldLayoutId id="2147483677" r:id="rId17"/>
+    <p:sldLayoutId id="2147483697" r:id="rId1"/>
+    <p:sldLayoutId id="2147483698" r:id="rId2"/>
+    <p:sldLayoutId id="2147483699" r:id="rId3"/>
+    <p:sldLayoutId id="2147483700" r:id="rId4"/>
+    <p:sldLayoutId id="2147483701" r:id="rId5"/>
+    <p:sldLayoutId id="2147483702" r:id="rId6"/>
+    <p:sldLayoutId id="2147483703" r:id="rId7"/>
+    <p:sldLayoutId id="2147483704" r:id="rId8"/>
+    <p:sldLayoutId id="2147483705" r:id="rId9"/>
+    <p:sldLayoutId id="2147483706" r:id="rId10"/>
+    <p:sldLayoutId id="2147483707" r:id="rId11"/>
+    <p:sldLayoutId id="2147483708" r:id="rId12"/>
+    <p:sldLayoutId id="2147483709" r:id="rId13"/>
+    <p:sldLayoutId id="2147483710" r:id="rId14"/>
+    <p:sldLayoutId id="2147483711" r:id="rId15"/>
+    <p:sldLayoutId id="2147483712" r:id="rId16"/>
+    <p:sldLayoutId id="2147483713" r:id="rId17"/>
   </p:sldLayoutIdLst>
   <p:txStyles>
     <p:titleStyle>
@@ -6391,17 +6392,6 @@
               </a:rPr>
               <a:t>)</a:t>
             </a:r>
-            <a:endParaRPr lang="ru-RU" sz="2800" dirty="0">
-              <a:ln w="0"/>
-              <a:effectLst>
-                <a:outerShdw blurRad="38100" dist="19050" dir="2700000" algn="tl" rotWithShape="0">
-                  <a:schemeClr val="dk1">
-                    <a:alpha val="40000"/>
-                  </a:schemeClr>
-                </a:outerShdw>
-              </a:effectLst>
-              <a:latin typeface="Century Gothic (Заголовки)"/>
-            </a:endParaRPr>
           </a:p>
         </p:txBody>
       </p:sp>
@@ -7201,25 +7191,7 @@
               <a:rPr lang="ru-RU" sz="2000" dirty="0" smtClean="0">
                 <a:latin typeface="Century Gothic (Заголовки)"/>
               </a:rPr>
-              <a:t>д.т.н</a:t>
-            </a:r>
-            <a:r>
-              <a:rPr lang="ru-RU" sz="2000" dirty="0" smtClean="0">
-                <a:latin typeface="Century Gothic (Заголовки)"/>
-              </a:rPr>
-              <a:t>. </a:t>
-            </a:r>
-            <a:r>
-              <a:rPr lang="ru-RU" sz="2000" dirty="0" smtClean="0">
-                <a:latin typeface="Century Gothic (Заголовки)"/>
-              </a:rPr>
-              <a:t>профессор </a:t>
-            </a:r>
-            <a:r>
-              <a:rPr lang="ru-RU" sz="2000" dirty="0" smtClean="0">
-                <a:latin typeface="Century Gothic (Заголовки)"/>
-              </a:rPr>
-              <a:t>Фомичев В.А</a:t>
+              <a:t>д.т.н. профессор Фомичев В.А</a:t>
             </a:r>
             <a:r>
               <a:rPr lang="ru-RU" sz="2000" dirty="0">
@@ -7291,22 +7263,96 @@
           </a:p>
         </p:txBody>
       </p:sp>
-      <p:sp>
-        <p:nvSpPr>
-          <p:cNvPr id="3" name="Объект 2"/>
-          <p:cNvSpPr>
-            <a:spLocks noGrp="1"/>
-          </p:cNvSpPr>
+      <p:pic>
+        <p:nvPicPr>
+          <p:cNvPr id="4" name="Объект 3"/>
+          <p:cNvPicPr>
+            <a:picLocks noGrp="1" noChangeAspect="1"/>
+          </p:cNvPicPr>
           <p:nvPr>
             <p:ph idx="1"/>
           </p:nvPr>
-        </p:nvSpPr>
-        <p:spPr/>
-        <p:txBody>
-          <a:bodyPr/>
+        </p:nvPicPr>
+        <p:blipFill>
+          <a:blip r:embed="rId2">
+            <a:extLst>
+              <a:ext uri="{28A0092B-C50C-407E-A947-70E740481C1C}">
+                <a14:useLocalDpi xmlns:a14="http://schemas.microsoft.com/office/drawing/2010/main" val="0"/>
+              </a:ext>
+            </a:extLst>
+          </a:blip>
+          <a:stretch>
+            <a:fillRect/>
+          </a:stretch>
+        </p:blipFill>
+        <p:spPr>
+          <a:xfrm>
+            <a:off x="5834508" y="1853248"/>
+            <a:ext cx="5295900" cy="3533775"/>
+          </a:xfrm>
+        </p:spPr>
+      </p:pic>
+      <p:sp>
+        <p:nvSpPr>
+          <p:cNvPr id="5" name="TextBox 4"/>
+          <p:cNvSpPr txBox="1"/>
+          <p:nvPr/>
+        </p:nvSpPr>
+        <p:spPr>
+          <a:xfrm>
+            <a:off x="889462" y="2069869"/>
+            <a:ext cx="4776400" cy="3046988"/>
+          </a:xfrm>
+          <a:prstGeom prst="rect">
+            <a:avLst/>
+          </a:prstGeom>
+          <a:noFill/>
+        </p:spPr>
+        <p:txBody>
+          <a:bodyPr wrap="square" rtlCol="0">
+            <a:spAutoFit/>
+          </a:bodyPr>
           <a:lstStyle/>
           <a:p>
-            <a:endParaRPr lang="ru-RU"/>
+            <a:r>
+              <a:rPr lang="ru-RU" sz="2400" dirty="0" smtClean="0"/>
+              <a:t>Содержит информацию о базовых формах слов, лексемах и их частях </a:t>
+            </a:r>
+            <a:r>
+              <a:rPr lang="ru-RU" sz="2400" dirty="0" smtClean="0"/>
+              <a:t>речи</a:t>
+            </a:r>
+            <a:r>
+              <a:rPr lang="en-US" sz="2400" dirty="0"/>
+              <a:t>.</a:t>
+            </a:r>
+            <a:endParaRPr lang="en-US" sz="2400" dirty="0" smtClean="0"/>
+          </a:p>
+          <a:p>
+            <a:endParaRPr lang="en-US" sz="2400" dirty="0"/>
+          </a:p>
+          <a:p>
+            <a:r>
+              <a:rPr lang="ru-RU" sz="2400" dirty="0" smtClean="0"/>
+              <a:t>Для определения морфологических признаков используется </a:t>
+            </a:r>
+            <a:r>
+              <a:rPr lang="ru-RU" sz="2400" dirty="0" err="1" smtClean="0"/>
+              <a:t>нейросетевая</a:t>
+            </a:r>
+            <a:r>
+              <a:rPr lang="ru-RU" sz="2400" dirty="0" smtClean="0"/>
+              <a:t> библиотека </a:t>
+            </a:r>
+            <a:r>
+              <a:rPr lang="en-US" sz="2400" dirty="0" err="1" smtClean="0"/>
+              <a:t>DeepMorphy</a:t>
+            </a:r>
+            <a:r>
+              <a:rPr lang="en-US" sz="2400" dirty="0" smtClean="0"/>
+              <a:t>.</a:t>
+            </a:r>
+            <a:endParaRPr lang="ru-RU" sz="2400" dirty="0"/>
           </a:p>
         </p:txBody>
       </p:sp>
@@ -7320,6 +7366,13 @@
   <p:clrMapOvr>
     <a:masterClrMapping/>
   </p:clrMapOvr>
+  <p:timing>
+    <p:tnLst>
+      <p:par>
+        <p:cTn id="1" dur="indefinite" restart="never" nodeType="tmRoot"/>
+      </p:par>
+    </p:tnLst>
+  </p:timing>
 </p:sld>
 </file>
 
@@ -7363,25 +7416,35 @@
           </a:p>
         </p:txBody>
       </p:sp>
-      <p:sp>
-        <p:nvSpPr>
-          <p:cNvPr id="3" name="Объект 2"/>
-          <p:cNvSpPr>
-            <a:spLocks noGrp="1"/>
-          </p:cNvSpPr>
+      <p:pic>
+        <p:nvPicPr>
+          <p:cNvPr id="4" name="Объект 3"/>
+          <p:cNvPicPr>
+            <a:picLocks noGrp="1" noChangeAspect="1"/>
+          </p:cNvPicPr>
           <p:nvPr>
             <p:ph idx="1"/>
           </p:nvPr>
-        </p:nvSpPr>
-        <p:spPr/>
-        <p:txBody>
-          <a:bodyPr/>
-          <a:lstStyle/>
-          <a:p>
-            <a:endParaRPr lang="ru-RU"/>
-          </a:p>
-        </p:txBody>
-      </p:sp>
+        </p:nvPicPr>
+        <p:blipFill>
+          <a:blip r:embed="rId2">
+            <a:extLst>
+              <a:ext uri="{28A0092B-C50C-407E-A947-70E740481C1C}">
+                <a14:useLocalDpi xmlns:a14="http://schemas.microsoft.com/office/drawing/2010/main" val="0"/>
+              </a:ext>
+            </a:extLst>
+          </a:blip>
+          <a:stretch>
+            <a:fillRect/>
+          </a:stretch>
+        </p:blipFill>
+        <p:spPr>
+          <a:xfrm>
+            <a:off x="6445725" y="1853248"/>
+            <a:ext cx="4774221" cy="4195762"/>
+          </a:xfrm>
+        </p:spPr>
+      </p:pic>
     </p:spTree>
     <p:extLst>
       <p:ext uri="{BB962C8B-B14F-4D97-AF65-F5344CB8AC3E}">
@@ -7392,6 +7455,13 @@
   <p:clrMapOvr>
     <a:masterClrMapping/>
   </p:clrMapOvr>
+  <p:timing>
+    <p:tnLst>
+      <p:par>
+        <p:cTn id="1" dur="indefinite" restart="never" nodeType="tmRoot"/>
+      </p:par>
+    </p:tnLst>
+  </p:timing>
 </p:sld>
 </file>
 
@@ -7427,10 +7497,9 @@
           <a:bodyPr/>
           <a:lstStyle/>
           <a:p>
-            <a:pPr algn="ctr"/>
             <a:r>
               <a:rPr lang="ru-RU" dirty="0" smtClean="0"/>
-              <a:t>Компонент разрешения имен</a:t>
+              <a:t>Словарь предложных фреймов</a:t>
             </a:r>
             <a:endParaRPr lang="ru-RU" dirty="0"/>
           </a:p>
@@ -7446,25 +7515,76 @@
             <p:ph idx="1"/>
           </p:nvPr>
         </p:nvSpPr>
-        <p:spPr/>
-        <p:txBody>
-          <a:bodyPr/>
+        <p:spPr>
+          <a:xfrm>
+            <a:off x="376920" y="1420176"/>
+            <a:ext cx="3876012" cy="4195481"/>
+          </a:xfrm>
+        </p:spPr>
+        <p:txBody>
+          <a:bodyPr>
+            <a:normAutofit/>
+          </a:bodyPr>
           <a:lstStyle/>
           <a:p>
-            <a:endParaRPr lang="ru-RU"/>
-          </a:p>
-        </p:txBody>
-      </p:sp>
+            <a:pPr marL="0" indent="0">
+              <a:buNone/>
+            </a:pPr>
+            <a:r>
+              <a:rPr lang="ru-RU" sz="2400" dirty="0" smtClean="0"/>
+              <a:t>Предложный фрейм описывает смысловое отношение двух существительных, связанных предлогом, в том числе нулевым</a:t>
+            </a:r>
+            <a:endParaRPr lang="ru-RU" sz="2400" dirty="0"/>
+          </a:p>
+        </p:txBody>
+      </p:sp>
+      <p:pic>
+        <p:nvPicPr>
+          <p:cNvPr id="4" name="Рисунок 3"/>
+          <p:cNvPicPr>
+            <a:picLocks noChangeAspect="1"/>
+          </p:cNvPicPr>
+          <p:nvPr/>
+        </p:nvPicPr>
+        <p:blipFill>
+          <a:blip r:embed="rId2">
+            <a:extLst>
+              <a:ext uri="{28A0092B-C50C-407E-A947-70E740481C1C}">
+                <a14:useLocalDpi xmlns:a14="http://schemas.microsoft.com/office/drawing/2010/main" val="0"/>
+              </a:ext>
+            </a:extLst>
+          </a:blip>
+          <a:stretch>
+            <a:fillRect/>
+          </a:stretch>
+        </p:blipFill>
+        <p:spPr>
+          <a:xfrm>
+            <a:off x="5143067" y="1420176"/>
+            <a:ext cx="6640904" cy="4731242"/>
+          </a:xfrm>
+          <a:prstGeom prst="rect">
+            <a:avLst/>
+          </a:prstGeom>
+        </p:spPr>
+      </p:pic>
     </p:spTree>
     <p:extLst>
       <p:ext uri="{BB962C8B-B14F-4D97-AF65-F5344CB8AC3E}">
-        <p14:creationId xmlns:p14="http://schemas.microsoft.com/office/powerpoint/2010/main" val="3778840786"/>
+        <p14:creationId xmlns:p14="http://schemas.microsoft.com/office/powerpoint/2010/main" val="4110851235"/>
       </p:ext>
     </p:extLst>
   </p:cSld>
   <p:clrMapOvr>
     <a:masterClrMapping/>
   </p:clrMapOvr>
+  <p:timing>
+    <p:tnLst>
+      <p:par>
+        <p:cTn id="1" dur="indefinite" restart="never" nodeType="tmRoot"/>
+      </p:par>
+    </p:tnLst>
+  </p:timing>
 </p:sld>
 </file>
 
@@ -7495,9 +7615,16 @@
             <p:ph type="title"/>
           </p:nvPr>
         </p:nvSpPr>
-        <p:spPr/>
-        <p:txBody>
-          <a:bodyPr/>
+        <p:spPr>
+          <a:xfrm>
+            <a:off x="549940" y="269399"/>
+            <a:ext cx="11081470" cy="970450"/>
+          </a:xfrm>
+        </p:spPr>
+        <p:txBody>
+          <a:bodyPr>
+            <a:noAutofit/>
+          </a:bodyPr>
           <a:lstStyle/>
           <a:p>
             <a:pPr algn="ctr"/>
@@ -7519,12 +7646,172 @@
             <p:ph idx="1"/>
           </p:nvPr>
         </p:nvSpPr>
-        <p:spPr/>
-        <p:txBody>
-          <a:bodyPr/>
+        <p:spPr>
+          <a:xfrm>
+            <a:off x="339354" y="1929003"/>
+            <a:ext cx="11502640" cy="762923"/>
+          </a:xfrm>
+        </p:spPr>
+        <p:txBody>
+          <a:bodyPr>
+            <a:normAutofit fontScale="92500"/>
+          </a:bodyPr>
           <a:lstStyle/>
           <a:p>
-            <a:endParaRPr lang="ru-RU"/>
+            <a:pPr marL="36900" indent="0" algn="ctr">
+              <a:buNone/>
+            </a:pPr>
+            <a:r>
+              <a:rPr lang="ru-RU" sz="3400" b="1" dirty="0">
+                <a:effectLst/>
+              </a:rPr>
+              <a:t>Фрагмент1 Сущ1 </a:t>
+            </a:r>
+            <a:r>
+              <a:rPr lang="ru-RU" sz="3400" b="1" dirty="0" smtClean="0">
+                <a:effectLst/>
+              </a:rPr>
+              <a:t>Предлог Фрагмент2 </a:t>
+            </a:r>
+            <a:r>
+              <a:rPr lang="ru-RU" sz="3400" b="1" dirty="0">
+                <a:effectLst/>
+              </a:rPr>
+              <a:t>Сущ2 </a:t>
+            </a:r>
+            <a:r>
+              <a:rPr lang="ru-RU" sz="3400" b="1" dirty="0" smtClean="0">
+                <a:effectLst/>
+              </a:rPr>
+              <a:t>Фрагмент3</a:t>
+            </a:r>
+          </a:p>
+        </p:txBody>
+      </p:sp>
+      <p:sp>
+        <p:nvSpPr>
+          <p:cNvPr id="4" name="TextBox 3"/>
+          <p:cNvSpPr txBox="1"/>
+          <p:nvPr/>
+        </p:nvSpPr>
+        <p:spPr>
+          <a:xfrm>
+            <a:off x="766644" y="2765782"/>
+            <a:ext cx="10648059" cy="3434786"/>
+          </a:xfrm>
+          <a:prstGeom prst="rect">
+            <a:avLst/>
+          </a:prstGeom>
+          <a:noFill/>
+        </p:spPr>
+        <p:txBody>
+          <a:bodyPr wrap="square" rtlCol="0">
+            <a:spAutoFit/>
+          </a:bodyPr>
+          <a:lstStyle/>
+          <a:p>
+            <a:pPr marL="342900" lvl="0" indent="-306000" defTabSz="457200">
+              <a:spcBef>
+                <a:spcPct val="20000"/>
+              </a:spcBef>
+              <a:spcAft>
+                <a:spcPts val="600"/>
+              </a:spcAft>
+              <a:buClr>
+                <a:srgbClr val="DADADA"/>
+              </a:buClr>
+              <a:buSzPct val="70000"/>
+              <a:buFont typeface="Wingdings 2" charset="2"/>
+              <a:buChar char=""/>
+            </a:pPr>
+            <a:r>
+              <a:rPr lang="ru-RU" sz="2800" dirty="0" smtClean="0">
+                <a:ln>
+                  <a:solidFill>
+                    <a:prstClr val="black">
+                      <a:lumMod val="75000"/>
+                      <a:lumOff val="25000"/>
+                      <a:alpha val="10000"/>
+                    </a:prstClr>
+                  </a:solidFill>
+                </a:ln>
+              </a:rPr>
+              <a:t>Фрагмент </a:t>
+            </a:r>
+            <a:r>
+              <a:rPr lang="ru-RU" sz="2800" dirty="0">
+                <a:ln>
+                  <a:solidFill>
+                    <a:prstClr val="black">
+                      <a:lumMod val="75000"/>
+                      <a:lumOff val="25000"/>
+                      <a:alpha val="10000"/>
+                    </a:prstClr>
+                  </a:solidFill>
+                </a:ln>
+              </a:rPr>
+              <a:t>1 и Фрагмент 2 являются либо пустой цепочкой, либо последовательностью прилагательных, </a:t>
+            </a:r>
+          </a:p>
+          <a:p>
+            <a:pPr marL="342900" lvl="0" indent="-306000" defTabSz="457200">
+              <a:spcBef>
+                <a:spcPct val="20000"/>
+              </a:spcBef>
+              <a:spcAft>
+                <a:spcPts val="600"/>
+              </a:spcAft>
+              <a:buClr>
+                <a:srgbClr val="DADADA"/>
+              </a:buClr>
+              <a:buSzPct val="70000"/>
+              <a:buFont typeface="Wingdings 2" charset="2"/>
+              <a:buChar char=""/>
+            </a:pPr>
+            <a:r>
+              <a:rPr lang="ru-RU" sz="2800" dirty="0">
+                <a:ln>
+                  <a:solidFill>
+                    <a:prstClr val="black">
+                      <a:lumMod val="75000"/>
+                      <a:lumOff val="25000"/>
+                      <a:alpha val="10000"/>
+                    </a:prstClr>
+                  </a:solidFill>
+                </a:ln>
+              </a:rPr>
+              <a:t>Сущ1 и Сущ2 – существительные, </a:t>
+            </a:r>
+          </a:p>
+          <a:p>
+            <a:pPr marL="342900" lvl="0" indent="-306000" defTabSz="457200">
+              <a:spcBef>
+                <a:spcPct val="20000"/>
+              </a:spcBef>
+              <a:spcAft>
+                <a:spcPts val="600"/>
+              </a:spcAft>
+              <a:buClr>
+                <a:srgbClr val="DADADA"/>
+              </a:buClr>
+              <a:buSzPct val="70000"/>
+              <a:buFont typeface="Wingdings 2" charset="2"/>
+              <a:buChar char=""/>
+            </a:pPr>
+            <a:r>
+              <a:rPr lang="ru-RU" sz="2800" dirty="0">
+                <a:ln>
+                  <a:solidFill>
+                    <a:prstClr val="black">
+                      <a:lumMod val="75000"/>
+                      <a:lumOff val="25000"/>
+                      <a:alpha val="10000"/>
+                    </a:prstClr>
+                  </a:solidFill>
+                </a:ln>
+              </a:rPr>
+              <a:t>Фрагмент3 является либо пустой цепочкой, либо искусственным именем, либо словосочетанием, определяющим сравнение с числом (например, «меньше 50000» или «не больше 60»).</a:t>
+            </a:r>
           </a:p>
         </p:txBody>
       </p:sp>
@@ -7538,6 +7825,13 @@
   <p:clrMapOvr>
     <a:masterClrMapping/>
   </p:clrMapOvr>
+  <p:timing>
+    <p:tnLst>
+      <p:par>
+        <p:cTn id="1" dur="indefinite" restart="never" nodeType="tmRoot"/>
+      </p:par>
+    </p:tnLst>
+  </p:timing>
 </p:sld>
 </file>
 
@@ -7576,7 +7870,7 @@
             <a:pPr algn="ctr"/>
             <a:r>
               <a:rPr lang="ru-RU" dirty="0" smtClean="0"/>
-              <a:t>Структура семантического представления</a:t>
+              <a:t>Примеры запросов</a:t>
             </a:r>
             <a:endParaRPr lang="ru-RU" dirty="0"/>
           </a:p>
@@ -7594,23 +7888,101 @@
         </p:nvSpPr>
         <p:spPr/>
         <p:txBody>
-          <a:bodyPr/>
+          <a:bodyPr>
+            <a:normAutofit/>
+          </a:bodyPr>
           <a:lstStyle/>
           <a:p>
-            <a:endParaRPr lang="ru-RU"/>
+            <a:pPr marL="0" indent="0">
+              <a:buNone/>
+            </a:pPr>
+            <a:r>
+              <a:rPr lang="ru-RU" sz="2800" dirty="0" smtClean="0"/>
+              <a:t>Возможные входные запросы:</a:t>
+            </a:r>
+          </a:p>
+          <a:p>
+            <a:pPr marL="538163" indent="-538163"/>
+            <a:r>
+              <a:rPr lang="ru-RU" sz="2400" dirty="0"/>
+              <a:t>Планета с самым большим </a:t>
+            </a:r>
+            <a:r>
+              <a:rPr lang="ru-RU" sz="2400" dirty="0" smtClean="0"/>
+              <a:t>радиусом</a:t>
+            </a:r>
+          </a:p>
+          <a:p>
+            <a:pPr marL="538163" indent="-538163"/>
+            <a:r>
+              <a:rPr lang="ru-RU" sz="2400" dirty="0"/>
+              <a:t>Одноместные многоцелевые боевые самолёты российского </a:t>
+            </a:r>
+            <a:r>
+              <a:rPr lang="ru-RU" sz="2400" dirty="0" smtClean="0"/>
+              <a:t>производства</a:t>
+            </a:r>
+          </a:p>
+          <a:p>
+            <a:pPr marL="538163" indent="-538163"/>
+            <a:r>
+              <a:rPr lang="ru-RU" sz="2400" dirty="0"/>
+              <a:t>Экспериментальные летательные аппараты </a:t>
+            </a:r>
+            <a:r>
+              <a:rPr lang="ru-RU" sz="2400" dirty="0" smtClean="0"/>
+              <a:t>Китая</a:t>
+            </a:r>
+          </a:p>
+          <a:p>
+            <a:pPr marL="538163" indent="-538163"/>
+            <a:r>
+              <a:rPr lang="ru-RU" sz="2400" dirty="0"/>
+              <a:t>Широкофюзеляжные самолёты компании </a:t>
+            </a:r>
+            <a:r>
+              <a:rPr lang="en-US" sz="2400" dirty="0" smtClean="0"/>
+              <a:t>Airbus</a:t>
+            </a:r>
+            <a:endParaRPr lang="ru-RU" sz="2400" dirty="0" smtClean="0"/>
+          </a:p>
+          <a:p>
+            <a:pPr marL="538163" indent="-538163"/>
+            <a:r>
+              <a:rPr lang="ru-RU" sz="2400" dirty="0"/>
+              <a:t>Частные аэропорты </a:t>
+            </a:r>
+            <a:r>
+              <a:rPr lang="ru-RU" sz="2400" dirty="0" smtClean="0"/>
+              <a:t>Германии</a:t>
+            </a:r>
+          </a:p>
+          <a:p>
+            <a:pPr marL="538163" indent="-538163"/>
+            <a:r>
+              <a:rPr lang="ru-RU" sz="2400" dirty="0"/>
+              <a:t>Канадские города с населением меньше 50000</a:t>
+            </a:r>
           </a:p>
         </p:txBody>
       </p:sp>
     </p:spTree>
     <p:extLst>
       <p:ext uri="{BB962C8B-B14F-4D97-AF65-F5344CB8AC3E}">
-        <p14:creationId xmlns:p14="http://schemas.microsoft.com/office/powerpoint/2010/main" val="3629468828"/>
+        <p14:creationId xmlns:p14="http://schemas.microsoft.com/office/powerpoint/2010/main" val="2205030007"/>
       </p:ext>
     </p:extLst>
   </p:cSld>
   <p:clrMapOvr>
     <a:masterClrMapping/>
   </p:clrMapOvr>
+  <p:timing>
+    <p:tnLst>
+      <p:par>
+        <p:cTn id="1" dur="indefinite" restart="never" nodeType="tmRoot"/>
+      </p:par>
+    </p:tnLst>
+  </p:timing>
 </p:sld>
 </file>
 
@@ -7641,9 +8013,493 @@
             <p:ph type="title"/>
           </p:nvPr>
         </p:nvSpPr>
+        <p:spPr>
+          <a:xfrm>
+            <a:off x="646111" y="181152"/>
+            <a:ext cx="9404723" cy="1400530"/>
+          </a:xfrm>
+        </p:spPr>
+        <p:txBody>
+          <a:bodyPr/>
+          <a:lstStyle/>
+          <a:p>
+            <a:pPr algn="ctr"/>
+            <a:r>
+              <a:rPr lang="ru-RU" dirty="0" smtClean="0"/>
+              <a:t>Структура семантического представления</a:t>
+            </a:r>
+            <a:endParaRPr lang="ru-RU" dirty="0"/>
+          </a:p>
+        </p:txBody>
+      </p:sp>
+      <p:sp>
+        <p:nvSpPr>
+          <p:cNvPr id="7" name="Объект 2"/>
+          <p:cNvSpPr>
+            <a:spLocks noGrp="1"/>
+          </p:cNvSpPr>
+          <p:nvPr>
+            <p:ph idx="1"/>
+          </p:nvPr>
+        </p:nvSpPr>
+        <p:spPr>
+          <a:xfrm>
+            <a:off x="339354" y="1758087"/>
+            <a:ext cx="11502640" cy="762923"/>
+          </a:xfrm>
+        </p:spPr>
+        <p:txBody>
+          <a:bodyPr>
+            <a:normAutofit/>
+          </a:bodyPr>
+          <a:lstStyle/>
+          <a:p>
+            <a:pPr marL="36900" indent="0" algn="ctr">
+              <a:buNone/>
+            </a:pPr>
+            <a:r>
+              <a:rPr lang="pt-BR" sz="3400" b="1" dirty="0"/>
+              <a:t>А (B1, R1, C1) (B2, R2, C2) … (Bn, Rn, Cn)</a:t>
+            </a:r>
+            <a:endParaRPr lang="ru-RU" sz="3400" b="1" dirty="0" smtClean="0">
+              <a:effectLst/>
+            </a:endParaRPr>
+          </a:p>
+        </p:txBody>
+      </p:sp>
+      <p:sp>
+        <p:nvSpPr>
+          <p:cNvPr id="8" name="TextBox 7"/>
+          <p:cNvSpPr txBox="1"/>
+          <p:nvPr/>
+        </p:nvSpPr>
+        <p:spPr>
+          <a:xfrm>
+            <a:off x="766644" y="2620503"/>
+            <a:ext cx="10648059" cy="4028795"/>
+          </a:xfrm>
+          <a:prstGeom prst="rect">
+            <a:avLst/>
+          </a:prstGeom>
+          <a:noFill/>
+        </p:spPr>
+        <p:txBody>
+          <a:bodyPr wrap="square" rtlCol="0">
+            <a:spAutoFit/>
+          </a:bodyPr>
+          <a:lstStyle/>
+          <a:p>
+            <a:pPr marL="342900" lvl="0" indent="-306000" defTabSz="457200">
+              <a:spcBef>
+                <a:spcPct val="20000"/>
+              </a:spcBef>
+              <a:spcAft>
+                <a:spcPts val="600"/>
+              </a:spcAft>
+              <a:buClr>
+                <a:srgbClr val="DADADA"/>
+              </a:buClr>
+              <a:buSzPct val="70000"/>
+              <a:buFont typeface="Wingdings 2" charset="2"/>
+              <a:buChar char=""/>
+            </a:pPr>
+            <a:r>
+              <a:rPr lang="ru-RU" sz="2800" b="1" dirty="0">
+                <a:ln>
+                  <a:solidFill>
+                    <a:prstClr val="black">
+                      <a:lumMod val="75000"/>
+                      <a:lumOff val="25000"/>
+                      <a:alpha val="10000"/>
+                    </a:prstClr>
+                  </a:solidFill>
+                </a:ln>
+              </a:rPr>
+              <a:t>A</a:t>
+            </a:r>
+            <a:r>
+              <a:rPr lang="ru-RU" sz="2800" dirty="0">
+                <a:ln>
+                  <a:solidFill>
+                    <a:prstClr val="black">
+                      <a:lumMod val="75000"/>
+                      <a:lumOff val="25000"/>
+                      <a:alpha val="10000"/>
+                    </a:prstClr>
+                  </a:solidFill>
+                </a:ln>
+              </a:rPr>
+              <a:t> – обозначение понятия на русском языке (самолёт, автомобиль, компания и т.д.), </a:t>
+            </a:r>
+          </a:p>
+          <a:p>
+            <a:pPr marL="342900" lvl="0" indent="-306000" defTabSz="457200">
+              <a:spcBef>
+                <a:spcPct val="20000"/>
+              </a:spcBef>
+              <a:spcAft>
+                <a:spcPts val="600"/>
+              </a:spcAft>
+              <a:buClr>
+                <a:srgbClr val="DADADA"/>
+              </a:buClr>
+              <a:buSzPct val="70000"/>
+              <a:buFont typeface="Wingdings 2" charset="2"/>
+              <a:buChar char=""/>
+            </a:pPr>
+            <a:r>
+              <a:rPr lang="ru-RU" sz="2800" b="1" dirty="0">
+                <a:ln>
+                  <a:solidFill>
+                    <a:prstClr val="black">
+                      <a:lumMod val="75000"/>
+                      <a:lumOff val="25000"/>
+                      <a:alpha val="10000"/>
+                    </a:prstClr>
+                  </a:solidFill>
+                </a:ln>
+              </a:rPr>
+              <a:t>B1</a:t>
+            </a:r>
+            <a:r>
+              <a:rPr lang="ru-RU" sz="2800" dirty="0">
+                <a:ln>
+                  <a:solidFill>
+                    <a:prstClr val="black">
+                      <a:lumMod val="75000"/>
+                      <a:lumOff val="25000"/>
+                      <a:alpha val="10000"/>
+                    </a:prstClr>
+                  </a:solidFill>
+                </a:ln>
+              </a:rPr>
+              <a:t>, </a:t>
+            </a:r>
+            <a:r>
+              <a:rPr lang="ru-RU" sz="2800" b="1" dirty="0">
+                <a:ln>
+                  <a:solidFill>
+                    <a:prstClr val="black">
+                      <a:lumMod val="75000"/>
+                      <a:lumOff val="25000"/>
+                      <a:alpha val="10000"/>
+                    </a:prstClr>
+                  </a:solidFill>
+                </a:ln>
+              </a:rPr>
+              <a:t>B2</a:t>
+            </a:r>
+            <a:r>
+              <a:rPr lang="ru-RU" sz="2800" dirty="0">
+                <a:ln>
+                  <a:solidFill>
+                    <a:prstClr val="black">
+                      <a:lumMod val="75000"/>
+                      <a:lumOff val="25000"/>
+                      <a:alpha val="10000"/>
+                    </a:prstClr>
+                  </a:solidFill>
+                </a:ln>
+              </a:rPr>
+              <a:t>, …, </a:t>
+            </a:r>
+            <a:r>
+              <a:rPr lang="ru-RU" sz="2800" b="1" dirty="0" err="1">
+                <a:ln>
+                  <a:solidFill>
+                    <a:prstClr val="black">
+                      <a:lumMod val="75000"/>
+                      <a:lumOff val="25000"/>
+                      <a:alpha val="10000"/>
+                    </a:prstClr>
+                  </a:solidFill>
+                </a:ln>
+              </a:rPr>
+              <a:t>Bn</a:t>
+            </a:r>
+            <a:r>
+              <a:rPr lang="ru-RU" sz="2800" dirty="0">
+                <a:ln>
+                  <a:solidFill>
+                    <a:prstClr val="black">
+                      <a:lumMod val="75000"/>
+                      <a:lumOff val="25000"/>
+                      <a:alpha val="10000"/>
+                    </a:prstClr>
+                  </a:solidFill>
+                </a:ln>
+              </a:rPr>
+              <a:t> – имена смысловых параметров представления на русском языке, </a:t>
+            </a:r>
+          </a:p>
+          <a:p>
+            <a:pPr marL="342900" lvl="0" indent="-306000" defTabSz="457200">
+              <a:spcBef>
+                <a:spcPct val="20000"/>
+              </a:spcBef>
+              <a:spcAft>
+                <a:spcPts val="600"/>
+              </a:spcAft>
+              <a:buClr>
+                <a:srgbClr val="DADADA"/>
+              </a:buClr>
+              <a:buSzPct val="70000"/>
+              <a:buFont typeface="Wingdings 2" charset="2"/>
+              <a:buChar char=""/>
+            </a:pPr>
+            <a:r>
+              <a:rPr lang="ru-RU" sz="2800" b="1" dirty="0">
+                <a:ln>
+                  <a:solidFill>
+                    <a:prstClr val="black">
+                      <a:lumMod val="75000"/>
+                      <a:lumOff val="25000"/>
+                      <a:alpha val="10000"/>
+                    </a:prstClr>
+                  </a:solidFill>
+                </a:ln>
+              </a:rPr>
+              <a:t>R1</a:t>
+            </a:r>
+            <a:r>
+              <a:rPr lang="ru-RU" sz="2800" dirty="0">
+                <a:ln>
+                  <a:solidFill>
+                    <a:prstClr val="black">
+                      <a:lumMod val="75000"/>
+                      <a:lumOff val="25000"/>
+                      <a:alpha val="10000"/>
+                    </a:prstClr>
+                  </a:solidFill>
+                </a:ln>
+              </a:rPr>
+              <a:t>, </a:t>
+            </a:r>
+            <a:r>
+              <a:rPr lang="ru-RU" sz="2800" b="1" dirty="0">
+                <a:ln>
+                  <a:solidFill>
+                    <a:prstClr val="black">
+                      <a:lumMod val="75000"/>
+                      <a:lumOff val="25000"/>
+                      <a:alpha val="10000"/>
+                    </a:prstClr>
+                  </a:solidFill>
+                </a:ln>
+              </a:rPr>
+              <a:t>R2</a:t>
+            </a:r>
+            <a:r>
+              <a:rPr lang="ru-RU" sz="2800" dirty="0">
+                <a:ln>
+                  <a:solidFill>
+                    <a:prstClr val="black">
+                      <a:lumMod val="75000"/>
+                      <a:lumOff val="25000"/>
+                      <a:alpha val="10000"/>
+                    </a:prstClr>
+                  </a:solidFill>
+                </a:ln>
+              </a:rPr>
+              <a:t>, …, </a:t>
+            </a:r>
+            <a:r>
+              <a:rPr lang="ru-RU" sz="2800" b="1" dirty="0" err="1">
+                <a:ln>
+                  <a:solidFill>
+                    <a:prstClr val="black">
+                      <a:lumMod val="75000"/>
+                      <a:lumOff val="25000"/>
+                      <a:alpha val="10000"/>
+                    </a:prstClr>
+                  </a:solidFill>
+                </a:ln>
+              </a:rPr>
+              <a:t>Rn</a:t>
+            </a:r>
+            <a:r>
+              <a:rPr lang="ru-RU" sz="2800" dirty="0">
+                <a:ln>
+                  <a:solidFill>
+                    <a:prstClr val="black">
+                      <a:lumMod val="75000"/>
+                      <a:lumOff val="25000"/>
+                      <a:alpha val="10000"/>
+                    </a:prstClr>
+                  </a:solidFill>
+                </a:ln>
+              </a:rPr>
+              <a:t> – имена бинарных отношений на русском </a:t>
+            </a:r>
+            <a:r>
+              <a:rPr lang="ru-RU" sz="2800" dirty="0" smtClean="0">
+                <a:ln>
+                  <a:solidFill>
+                    <a:prstClr val="black">
+                      <a:lumMod val="75000"/>
+                      <a:lumOff val="25000"/>
+                      <a:alpha val="10000"/>
+                    </a:prstClr>
+                  </a:solidFill>
+                </a:ln>
+              </a:rPr>
+              <a:t>языке,</a:t>
+            </a:r>
+          </a:p>
+          <a:p>
+            <a:pPr marL="342900" lvl="0" indent="-306000" defTabSz="457200">
+              <a:spcBef>
+                <a:spcPct val="20000"/>
+              </a:spcBef>
+              <a:spcAft>
+                <a:spcPts val="600"/>
+              </a:spcAft>
+              <a:buClr>
+                <a:srgbClr val="DADADA"/>
+              </a:buClr>
+              <a:buSzPct val="70000"/>
+              <a:buFont typeface="Wingdings 2" charset="2"/>
+              <a:buChar char=""/>
+            </a:pPr>
+            <a:r>
+              <a:rPr lang="ru-RU" sz="2800" b="1" dirty="0">
+                <a:ln>
+                  <a:solidFill>
+                    <a:prstClr val="black">
+                      <a:lumMod val="75000"/>
+                      <a:lumOff val="25000"/>
+                      <a:alpha val="10000"/>
+                    </a:prstClr>
+                  </a:solidFill>
+                </a:ln>
+              </a:rPr>
+              <a:t>С1</a:t>
+            </a:r>
+            <a:r>
+              <a:rPr lang="ru-RU" sz="2800" dirty="0">
+                <a:ln>
+                  <a:solidFill>
+                    <a:prstClr val="black">
+                      <a:lumMod val="75000"/>
+                      <a:lumOff val="25000"/>
+                      <a:alpha val="10000"/>
+                    </a:prstClr>
+                  </a:solidFill>
+                </a:ln>
+              </a:rPr>
+              <a:t>, </a:t>
+            </a:r>
+            <a:r>
+              <a:rPr lang="ru-RU" sz="2800" b="1" dirty="0">
+                <a:ln>
+                  <a:solidFill>
+                    <a:prstClr val="black">
+                      <a:lumMod val="75000"/>
+                      <a:lumOff val="25000"/>
+                      <a:alpha val="10000"/>
+                    </a:prstClr>
+                  </a:solidFill>
+                </a:ln>
+              </a:rPr>
+              <a:t>С2</a:t>
+            </a:r>
+            <a:r>
+              <a:rPr lang="ru-RU" sz="2800" dirty="0">
+                <a:ln>
+                  <a:solidFill>
+                    <a:prstClr val="black">
+                      <a:lumMod val="75000"/>
+                      <a:lumOff val="25000"/>
+                      <a:alpha val="10000"/>
+                    </a:prstClr>
+                  </a:solidFill>
+                </a:ln>
+              </a:rPr>
+              <a:t>, …, </a:t>
+            </a:r>
+            <a:r>
+              <a:rPr lang="ru-RU" sz="2800" b="1" dirty="0" err="1">
+                <a:ln>
+                  <a:solidFill>
+                    <a:prstClr val="black">
+                      <a:lumMod val="75000"/>
+                      <a:lumOff val="25000"/>
+                      <a:alpha val="10000"/>
+                    </a:prstClr>
+                  </a:solidFill>
+                </a:ln>
+              </a:rPr>
+              <a:t>Сn</a:t>
+            </a:r>
+            <a:r>
+              <a:rPr lang="ru-RU" sz="2800" dirty="0">
+                <a:ln>
+                  <a:solidFill>
+                    <a:prstClr val="black">
+                      <a:lumMod val="75000"/>
+                      <a:lumOff val="25000"/>
+                      <a:alpha val="10000"/>
+                    </a:prstClr>
+                  </a:solidFill>
+                </a:ln>
+              </a:rPr>
+              <a:t> – обозначения значения параметра или второго атрибута отношения на русском языке.</a:t>
+            </a:r>
+          </a:p>
+        </p:txBody>
+      </p:sp>
+    </p:spTree>
+    <p:extLst>
+      <p:ext uri="{BB962C8B-B14F-4D97-AF65-F5344CB8AC3E}">
+        <p14:creationId xmlns:p14="http://schemas.microsoft.com/office/powerpoint/2010/main" val="3629468828"/>
+      </p:ext>
+    </p:extLst>
+  </p:cSld>
+  <p:clrMapOvr>
+    <a:masterClrMapping/>
+  </p:clrMapOvr>
+  <p:timing>
+    <p:tnLst>
+      <p:par>
+        <p:cTn id="1" dur="indefinite" restart="never" nodeType="tmRoot"/>
+      </p:par>
+    </p:tnLst>
+  </p:timing>
+</p:sld>
+</file>
+
+<file path=ppt/slides/slide16.xml><?xml version="1.0" encoding="utf-8"?>
+<p:sld xmlns:a="http://schemas.openxmlformats.org/drawingml/2006/main" xmlns:r="http://schemas.openxmlformats.org/officeDocument/2006/relationships" xmlns:p="http://schemas.openxmlformats.org/presentationml/2006/main">
+  <p:cSld>
+    <p:spTree>
+      <p:nvGrpSpPr>
+        <p:cNvPr id="1" name=""/>
+        <p:cNvGrpSpPr/>
+        <p:nvPr/>
+      </p:nvGrpSpPr>
+      <p:grpSpPr>
+        <a:xfrm>
+          <a:off x="0" y="0"/>
+          <a:ext cx="0" cy="0"/>
+          <a:chOff x="0" y="0"/>
+          <a:chExt cx="0" cy="0"/>
+        </a:xfrm>
+      </p:grpSpPr>
+      <p:sp>
+        <p:nvSpPr>
+          <p:cNvPr id="2" name="Заголовок 1"/>
+          <p:cNvSpPr>
+            <a:spLocks noGrp="1"/>
+          </p:cNvSpPr>
+          <p:nvPr>
+            <p:ph type="title"/>
+          </p:nvPr>
+        </p:nvSpPr>
         <p:spPr/>
         <p:txBody>
-          <a:bodyPr/>
+          <a:bodyPr>
+            <a:normAutofit/>
+          </a:bodyPr>
           <a:lstStyle/>
           <a:p>
             <a:pPr algn="ctr"/>
@@ -7782,7 +8638,7 @@
           <p:nvPr>
             <p:extLst>
               <p:ext uri="{D42A27DB-BD31-4B8C-83A1-F6EECF244321}">
-                <p14:modId xmlns:p14="http://schemas.microsoft.com/office/powerpoint/2010/main" val="3493836203"/>
+                <p14:modId xmlns:p14="http://schemas.microsoft.com/office/powerpoint/2010/main" val="61323575"/>
               </p:ext>
             </p:extLst>
           </p:nvPr>
@@ -7795,7 +8651,7 @@
           <a:graphicData uri="http://schemas.openxmlformats.org/drawingml/2006/table">
             <a:tbl>
               <a:tblPr firstRow="1" bandRow="1">
-                <a:tableStyleId>{5C22544A-7EE6-4342-B048-85BDC9FD1C3A}</a:tableStyleId>
+                <a:tableStyleId>{F5AB1C69-6EDB-4FF4-983F-18BD219EF322}</a:tableStyleId>
               </a:tblPr>
               <a:tblGrid>
                 <a:gridCol w="2205966">
@@ -8012,7 +8868,7 @@
 </p:sld>
 </file>
 
-<file path=ppt/slides/slide16.xml><?xml version="1.0" encoding="utf-8"?>
+<file path=ppt/slides/slide17.xml><?xml version="1.0" encoding="utf-8"?>
 <p:sld xmlns:a="http://schemas.openxmlformats.org/drawingml/2006/main" xmlns:r="http://schemas.openxmlformats.org/officeDocument/2006/relationships" xmlns:p="http://schemas.openxmlformats.org/presentationml/2006/main">
   <p:cSld>
     <p:spTree>
@@ -8161,7 +9017,7 @@
 </p:sld>
 </file>
 
-<file path=ppt/slides/slide17.xml><?xml version="1.0" encoding="utf-8"?>
+<file path=ppt/slides/slide18.xml><?xml version="1.0" encoding="utf-8"?>
 <p:sld xmlns:a="http://schemas.openxmlformats.org/drawingml/2006/main" xmlns:r="http://schemas.openxmlformats.org/officeDocument/2006/relationships" xmlns:p="http://schemas.openxmlformats.org/presentationml/2006/main">
   <p:cSld>
     <p:spTree>
@@ -8190,7 +9046,9 @@
         </p:nvSpPr>
         <p:spPr/>
         <p:txBody>
-          <a:bodyPr/>
+          <a:bodyPr>
+            <a:normAutofit/>
+          </a:bodyPr>
           <a:lstStyle/>
           <a:p>
             <a:pPr algn="ctr"/>
@@ -8264,7 +9122,7 @@
           <p:nvPr>
             <p:extLst>
               <p:ext uri="{D42A27DB-BD31-4B8C-83A1-F6EECF244321}">
-                <p14:modId xmlns:p14="http://schemas.microsoft.com/office/powerpoint/2010/main" val="451404234"/>
+                <p14:modId xmlns:p14="http://schemas.microsoft.com/office/powerpoint/2010/main" val="2141691257"/>
               </p:ext>
             </p:extLst>
           </p:nvPr>
@@ -8277,7 +9135,7 @@
           <a:graphicData uri="http://schemas.openxmlformats.org/drawingml/2006/table">
             <a:tbl>
               <a:tblPr firstRow="1" bandRow="1">
-                <a:tableStyleId>{5C22544A-7EE6-4342-B048-85BDC9FD1C3A}</a:tableStyleId>
+                <a:tableStyleId>{F5AB1C69-6EDB-4FF4-983F-18BD219EF322}</a:tableStyleId>
               </a:tblPr>
               <a:tblGrid>
                 <a:gridCol w="1955800">
@@ -8485,114 +9343,6 @@
 </p:sld>
 </file>
 
-<file path=ppt/slides/slide18.xml><?xml version="1.0" encoding="utf-8"?>
-<p:sld xmlns:a="http://schemas.openxmlformats.org/drawingml/2006/main" xmlns:r="http://schemas.openxmlformats.org/officeDocument/2006/relationships" xmlns:p="http://schemas.openxmlformats.org/presentationml/2006/main">
-  <p:cSld>
-    <p:spTree>
-      <p:nvGrpSpPr>
-        <p:cNvPr id="1" name=""/>
-        <p:cNvGrpSpPr/>
-        <p:nvPr/>
-      </p:nvGrpSpPr>
-      <p:grpSpPr>
-        <a:xfrm>
-          <a:off x="0" y="0"/>
-          <a:ext cx="0" cy="0"/>
-          <a:chOff x="0" y="0"/>
-          <a:chExt cx="0" cy="0"/>
-        </a:xfrm>
-      </p:grpSpPr>
-      <p:sp>
-        <p:nvSpPr>
-          <p:cNvPr id="2" name="Заголовок 1"/>
-          <p:cNvSpPr>
-            <a:spLocks noGrp="1"/>
-          </p:cNvSpPr>
-          <p:nvPr>
-            <p:ph type="title"/>
-          </p:nvPr>
-        </p:nvSpPr>
-        <p:spPr>
-          <a:xfrm>
-            <a:off x="645130" y="95271"/>
-            <a:ext cx="9404723" cy="1400530"/>
-          </a:xfrm>
-        </p:spPr>
-        <p:txBody>
-          <a:bodyPr/>
-          <a:lstStyle/>
-          <a:p>
-            <a:pPr algn="ctr"/>
-            <a:r>
-              <a:rPr lang="ru-RU" dirty="0" smtClean="0"/>
-              <a:t>Преобразование семантического представления в</a:t>
-            </a:r>
-            <a:r>
-              <a:rPr lang="en-US" dirty="0" smtClean="0"/>
-              <a:t>SPARQL-</a:t>
-            </a:r>
-            <a:r>
-              <a:rPr lang="ru-RU" dirty="0" smtClean="0"/>
-              <a:t>запрос</a:t>
-            </a:r>
-            <a:endParaRPr lang="ru-RU" dirty="0"/>
-          </a:p>
-        </p:txBody>
-      </p:sp>
-      <p:sp>
-        <p:nvSpPr>
-          <p:cNvPr id="3" name="Объект 2"/>
-          <p:cNvSpPr>
-            <a:spLocks noGrp="1"/>
-          </p:cNvSpPr>
-          <p:nvPr>
-            <p:ph idx="1"/>
-          </p:nvPr>
-        </p:nvSpPr>
-        <p:spPr/>
-        <p:txBody>
-          <a:bodyPr/>
-          <a:lstStyle/>
-          <a:p>
-            <a:r>
-              <a:rPr lang="ru-RU" dirty="0" smtClean="0"/>
-              <a:t>Заголовок</a:t>
-            </a:r>
-          </a:p>
-          <a:p>
-            <a:r>
-              <a:rPr lang="ru-RU" dirty="0" smtClean="0"/>
-              <a:t>Равенство</a:t>
-            </a:r>
-          </a:p>
-          <a:p>
-            <a:r>
-              <a:rPr lang="ru-RU" dirty="0" smtClean="0"/>
-              <a:t>Сравнение</a:t>
-            </a:r>
-          </a:p>
-          <a:p>
-            <a:r>
-              <a:rPr lang="ru-RU" dirty="0" smtClean="0"/>
-              <a:t>Сортировка</a:t>
-            </a:r>
-            <a:endParaRPr lang="ru-RU" dirty="0"/>
-          </a:p>
-        </p:txBody>
-      </p:sp>
-    </p:spTree>
-    <p:extLst>
-      <p:ext uri="{BB962C8B-B14F-4D97-AF65-F5344CB8AC3E}">
-        <p14:creationId xmlns:p14="http://schemas.microsoft.com/office/powerpoint/2010/main" val="1329882213"/>
-      </p:ext>
-    </p:extLst>
-  </p:cSld>
-  <p:clrMapOvr>
-    <a:masterClrMapping/>
-  </p:clrMapOvr>
-</p:sld>
-</file>
-
 <file path=ppt/slides/slide19.xml><?xml version="1.0" encoding="utf-8"?>
 <p:sld xmlns:a="http://schemas.openxmlformats.org/drawingml/2006/main" xmlns:r="http://schemas.openxmlformats.org/officeDocument/2006/relationships" xmlns:p="http://schemas.openxmlformats.org/presentationml/2006/main">
   <p:cSld>
@@ -8628,7 +9378,7 @@
             <a:pPr algn="ctr"/>
             <a:r>
               <a:rPr lang="ru-RU" dirty="0" smtClean="0"/>
-              <a:t>Заголовок запроса</a:t>
+              <a:t>Компонент разрешения имен</a:t>
             </a:r>
             <a:endParaRPr lang="ru-RU" dirty="0"/>
           </a:p>
@@ -8644,25 +9394,76 @@
             <p:ph idx="1"/>
           </p:nvPr>
         </p:nvSpPr>
-        <p:spPr/>
-        <p:txBody>
-          <a:bodyPr/>
+        <p:spPr>
+          <a:xfrm>
+            <a:off x="1103313" y="2052918"/>
+            <a:ext cx="4108768" cy="4195481"/>
+          </a:xfrm>
+        </p:spPr>
+        <p:txBody>
+          <a:bodyPr>
+            <a:normAutofit/>
+          </a:bodyPr>
           <a:lstStyle/>
           <a:p>
-            <a:endParaRPr lang="ru-RU" dirty="0"/>
-          </a:p>
-        </p:txBody>
-      </p:sp>
+            <a:pPr marL="0" indent="0">
+              <a:buNone/>
+            </a:pPr>
+            <a:r>
+              <a:rPr lang="ru-RU" sz="2400" dirty="0" smtClean="0"/>
+              <a:t>Необходим для связывания параметров К-представления с параметрами онтологии</a:t>
+            </a:r>
+            <a:endParaRPr lang="ru-RU" sz="2400" dirty="0"/>
+          </a:p>
+        </p:txBody>
+      </p:sp>
+      <p:pic>
+        <p:nvPicPr>
+          <p:cNvPr id="4" name="Рисунок 3"/>
+          <p:cNvPicPr>
+            <a:picLocks noChangeAspect="1"/>
+          </p:cNvPicPr>
+          <p:nvPr/>
+        </p:nvPicPr>
+        <p:blipFill>
+          <a:blip r:embed="rId2">
+            <a:extLst>
+              <a:ext uri="{28A0092B-C50C-407E-A947-70E740481C1C}">
+                <a14:useLocalDpi xmlns:a14="http://schemas.microsoft.com/office/drawing/2010/main" val="0"/>
+              </a:ext>
+            </a:extLst>
+          </a:blip>
+          <a:stretch>
+            <a:fillRect/>
+          </a:stretch>
+        </p:blipFill>
+        <p:spPr>
+          <a:xfrm>
+            <a:off x="6857133" y="1517996"/>
+            <a:ext cx="3625216" cy="4833621"/>
+          </a:xfrm>
+          <a:prstGeom prst="rect">
+            <a:avLst/>
+          </a:prstGeom>
+        </p:spPr>
+      </p:pic>
     </p:spTree>
     <p:extLst>
       <p:ext uri="{BB962C8B-B14F-4D97-AF65-F5344CB8AC3E}">
-        <p14:creationId xmlns:p14="http://schemas.microsoft.com/office/powerpoint/2010/main" val="3128239737"/>
+        <p14:creationId xmlns:p14="http://schemas.microsoft.com/office/powerpoint/2010/main" val="3778840786"/>
       </p:ext>
     </p:extLst>
   </p:cSld>
   <p:clrMapOvr>
     <a:masterClrMapping/>
   </p:clrMapOvr>
+  <p:timing>
+    <p:tnLst>
+      <p:par>
+        <p:cTn id="1" dur="indefinite" restart="never" nodeType="tmRoot"/>
+      </p:par>
+    </p:tnLst>
+  </p:timing>
 </p:sld>
 </file>
 
@@ -8693,137 +9494,100 @@
             <p:ph type="title"/>
           </p:nvPr>
         </p:nvSpPr>
-        <p:spPr>
-          <a:xfrm>
-            <a:off x="1310345" y="377498"/>
-            <a:ext cx="9404723" cy="1400530"/>
-          </a:xfrm>
-        </p:spPr>
+        <p:spPr/>
         <p:txBody>
           <a:bodyPr/>
           <a:lstStyle/>
           <a:p>
             <a:pPr algn="ctr"/>
             <a:r>
-              <a:rPr lang="ru-RU" dirty="0" smtClean="0">
-                <a:latin typeface="Century Gothic (Заголовки)"/>
-              </a:rPr>
-              <a:t>Цели и задачи</a:t>
-            </a:r>
-            <a:endParaRPr lang="ru-RU" dirty="0">
-              <a:latin typeface="Century Gothic (Заголовки)"/>
-            </a:endParaRPr>
-          </a:p>
-        </p:txBody>
-      </p:sp>
-      <p:sp>
-        <p:nvSpPr>
-          <p:cNvPr id="3" name="TextBox 2"/>
-          <p:cNvSpPr txBox="1"/>
-          <p:nvPr/>
-        </p:nvSpPr>
-        <p:spPr>
-          <a:xfrm>
-            <a:off x="748689" y="1605308"/>
-            <a:ext cx="10920549" cy="4401205"/>
-          </a:xfrm>
-          <a:prstGeom prst="rect">
-            <a:avLst/>
-          </a:prstGeom>
-          <a:noFill/>
-        </p:spPr>
-        <p:txBody>
-          <a:bodyPr wrap="square" rtlCol="0">
-            <a:spAutoFit/>
-          </a:bodyPr>
+              <a:rPr lang="ru-RU" dirty="0" smtClean="0"/>
+              <a:t>Актуальность</a:t>
+            </a:r>
+            <a:endParaRPr lang="ru-RU" dirty="0"/>
+          </a:p>
+        </p:txBody>
+      </p:sp>
+      <p:sp>
+        <p:nvSpPr>
+          <p:cNvPr id="3" name="Объект 2"/>
+          <p:cNvSpPr>
+            <a:spLocks noGrp="1"/>
+          </p:cNvSpPr>
+          <p:nvPr>
+            <p:ph idx="1"/>
+          </p:nvPr>
+        </p:nvSpPr>
+        <p:spPr/>
+        <p:txBody>
+          <a:bodyPr/>
           <a:lstStyle/>
           <a:p>
             <a:r>
-              <a:rPr lang="ru-RU" sz="2800" dirty="0" smtClean="0">
-                <a:latin typeface="Century Gothic (Заголовки)"/>
-              </a:rPr>
-              <a:t>Необходимо реализовать семантически-ориентированный естественно-языковой интерфейс для взаимодействия с системой открытых данных.</a:t>
-            </a:r>
-            <a:endParaRPr lang="en-US" sz="2800" dirty="0" smtClean="0">
-              <a:latin typeface="Century Gothic (Заголовки)"/>
-            </a:endParaRPr>
-          </a:p>
-          <a:p>
-            <a:endParaRPr lang="ru-RU" sz="2800" dirty="0" smtClean="0">
-              <a:latin typeface="Century Gothic (Заголовки)"/>
-            </a:endParaRPr>
-          </a:p>
-          <a:p>
-            <a:r>
-              <a:rPr lang="ru-RU" sz="2800" dirty="0" smtClean="0">
-                <a:latin typeface="Century Gothic (Заголовки)"/>
-              </a:rPr>
-              <a:t>Для этого необходимо:</a:t>
-            </a:r>
-          </a:p>
-          <a:p>
-            <a:pPr marL="457200" indent="-457200">
-              <a:buFont typeface="Arial" panose="020B0604020202020204" pitchFamily="34" charset="0"/>
-              <a:buChar char="•"/>
-            </a:pPr>
-            <a:r>
-              <a:rPr lang="ru-RU" sz="2800" dirty="0" smtClean="0">
-                <a:latin typeface="Century Gothic (Заголовки)"/>
-              </a:rPr>
-              <a:t>выбрать подход к описанию семантического представления текста на естественном языке;</a:t>
-            </a:r>
-          </a:p>
-          <a:p>
-            <a:pPr marL="457200" indent="-457200">
-              <a:buFont typeface="Arial" panose="020B0604020202020204" pitchFamily="34" charset="0"/>
-              <a:buChar char="•"/>
-            </a:pPr>
-            <a:r>
-              <a:rPr lang="ru-RU" sz="2800" dirty="0">
-                <a:latin typeface="Century Gothic (Заголовки)"/>
-              </a:rPr>
-              <a:t>р</a:t>
-            </a:r>
-            <a:r>
-              <a:rPr lang="ru-RU" sz="2800" dirty="0" smtClean="0">
-                <a:latin typeface="Century Gothic (Заголовки)"/>
-              </a:rPr>
-              <a:t>азработать алгоритм построения запроса к </a:t>
-            </a:r>
-            <a:r>
-              <a:rPr lang="en-US" sz="2800" dirty="0" smtClean="0">
-                <a:latin typeface="Century Gothic (Заголовки)"/>
-              </a:rPr>
+              <a:rPr lang="ru-RU" sz="2400" dirty="0" smtClean="0"/>
+              <a:t>Система </a:t>
+            </a:r>
+            <a:r>
+              <a:rPr lang="en-US" sz="2400" dirty="0" smtClean="0"/>
               <a:t>LOD </a:t>
             </a:r>
             <a:r>
-              <a:rPr lang="ru-RU" sz="2800" dirty="0" smtClean="0">
-                <a:latin typeface="Century Gothic (Заголовки)"/>
-              </a:rPr>
-              <a:t>на языке </a:t>
-            </a:r>
-            <a:r>
-              <a:rPr lang="en-US" sz="2800" dirty="0" smtClean="0">
-                <a:latin typeface="Century Gothic (Заголовки)"/>
-              </a:rPr>
-              <a:t>SPARQL </a:t>
-            </a:r>
-            <a:r>
-              <a:rPr lang="ru-RU" sz="2800" dirty="0" smtClean="0">
-                <a:latin typeface="Century Gothic (Заголовки)"/>
-              </a:rPr>
-              <a:t>по семантическому представлению исходного запроса на ЕЯ.</a:t>
-            </a:r>
-            <a:endParaRPr lang="ru-RU" sz="2800" dirty="0">
-              <a:latin typeface="Century Gothic (Заголовки)"/>
-            </a:endParaRPr>
+              <a:rPr lang="ru-RU" sz="2400" dirty="0" smtClean="0"/>
+              <a:t>широко применяется при публикациях </a:t>
+            </a:r>
+            <a:r>
+              <a:rPr lang="ru-RU" sz="2400" dirty="0" err="1" smtClean="0"/>
+              <a:t>госдокументов</a:t>
+            </a:r>
+            <a:r>
+              <a:rPr lang="ru-RU" sz="2400" dirty="0" smtClean="0"/>
+              <a:t>, в библиотеках, в системах научных публикаций и бизнесе</a:t>
+            </a:r>
+          </a:p>
+          <a:p>
+            <a:r>
+              <a:rPr lang="ru-RU" sz="2400" dirty="0" smtClean="0"/>
+              <a:t>Для взаимодействия с системой используется язык запросов </a:t>
+            </a:r>
+            <a:r>
+              <a:rPr lang="en-US" sz="2400" dirty="0" smtClean="0"/>
+              <a:t>SPARQL.</a:t>
+            </a:r>
+          </a:p>
+          <a:p>
+            <a:r>
+              <a:rPr lang="en-US" sz="2400" dirty="0" smtClean="0"/>
+              <a:t>SPARQL</a:t>
+            </a:r>
+            <a:r>
+              <a:rPr lang="ru-RU" sz="2400" dirty="0" smtClean="0"/>
+              <a:t> – сложный язык для неспециалистов</a:t>
+            </a:r>
+          </a:p>
+          <a:p>
+            <a:r>
+              <a:rPr lang="ru-RU" sz="2400" dirty="0" smtClean="0"/>
+              <a:t>Нет естественно-языковых интерфейсов для обращения к </a:t>
+            </a:r>
+            <a:r>
+              <a:rPr lang="en-US" sz="2400" dirty="0" smtClean="0"/>
+              <a:t>LOD</a:t>
+            </a:r>
+            <a:r>
+              <a:rPr lang="ru-RU" sz="2400" dirty="0" smtClean="0"/>
+              <a:t> на русском языке</a:t>
+            </a:r>
+            <a:endParaRPr lang="en-US" sz="2400" dirty="0" smtClean="0"/>
+          </a:p>
+          <a:p>
+            <a:endParaRPr lang="ru-RU" dirty="0"/>
           </a:p>
         </p:txBody>
       </p:sp>
     </p:spTree>
     <p:extLst>
       <p:ext uri="{BB962C8B-B14F-4D97-AF65-F5344CB8AC3E}">
-        <p14:creationId xmlns:p14="http://schemas.microsoft.com/office/powerpoint/2010/main" val="1684067614"/>
+        <p14:creationId xmlns:p14="http://schemas.microsoft.com/office/powerpoint/2010/main" val="2789630774"/>
       </p:ext>
     </p:extLst>
   </p:cSld>
@@ -8867,7 +9631,12 @@
             <p:ph type="title"/>
           </p:nvPr>
         </p:nvSpPr>
-        <p:spPr/>
+        <p:spPr>
+          <a:xfrm>
+            <a:off x="645130" y="95271"/>
+            <a:ext cx="9404723" cy="1400530"/>
+          </a:xfrm>
+        </p:spPr>
         <p:txBody>
           <a:bodyPr/>
           <a:lstStyle/>
@@ -8875,7 +9644,15 @@
             <a:pPr algn="ctr"/>
             <a:r>
               <a:rPr lang="ru-RU" dirty="0" smtClean="0"/>
-              <a:t>Тройка равенства</a:t>
+              <a:t>Преобразование семантического представления в </a:t>
+            </a:r>
+            <a:r>
+              <a:rPr lang="en-US" dirty="0" smtClean="0"/>
+              <a:t>SPARQL-</a:t>
+            </a:r>
+            <a:r>
+              <a:rPr lang="ru-RU" dirty="0" smtClean="0"/>
+              <a:t>запрос</a:t>
             </a:r>
             <a:endParaRPr lang="ru-RU" dirty="0"/>
           </a:p>
@@ -8893,23 +9670,48 @@
         </p:nvSpPr>
         <p:spPr/>
         <p:txBody>
-          <a:bodyPr/>
+          <a:bodyPr>
+            <a:normAutofit/>
+          </a:bodyPr>
           <a:lstStyle/>
           <a:p>
-            <a:endParaRPr lang="ru-RU"/>
+            <a:r>
+              <a:rPr lang="ru-RU" sz="2800" dirty="0" smtClean="0"/>
+              <a:t>Заголовок</a:t>
+            </a:r>
+          </a:p>
+          <a:p>
+            <a:r>
+              <a:rPr lang="ru-RU" sz="2800" dirty="0" smtClean="0"/>
+              <a:t>Тройки равенства</a:t>
+            </a:r>
+          </a:p>
+          <a:p>
+            <a:r>
+              <a:rPr lang="ru-RU" sz="2800" dirty="0" smtClean="0"/>
+              <a:t>Тройки сравнения</a:t>
+            </a:r>
+            <a:endParaRPr lang="ru-RU" sz="2800" dirty="0"/>
           </a:p>
         </p:txBody>
       </p:sp>
     </p:spTree>
     <p:extLst>
       <p:ext uri="{BB962C8B-B14F-4D97-AF65-F5344CB8AC3E}">
-        <p14:creationId xmlns:p14="http://schemas.microsoft.com/office/powerpoint/2010/main" val="2690675119"/>
+        <p14:creationId xmlns:p14="http://schemas.microsoft.com/office/powerpoint/2010/main" val="1329882213"/>
       </p:ext>
     </p:extLst>
   </p:cSld>
   <p:clrMapOvr>
     <a:masterClrMapping/>
   </p:clrMapOvr>
+  <p:timing>
+    <p:tnLst>
+      <p:par>
+        <p:cTn id="1" dur="indefinite" restart="never" nodeType="tmRoot"/>
+      </p:par>
+    </p:tnLst>
+  </p:timing>
 </p:sld>
 </file>
 
@@ -8932,6 +9734,86 @@
       </p:grpSpPr>
       <p:sp>
         <p:nvSpPr>
+          <p:cNvPr id="9" name="Прямоугольник 8"/>
+          <p:cNvSpPr/>
+          <p:nvPr/>
+        </p:nvSpPr>
+        <p:spPr>
+          <a:xfrm>
+            <a:off x="1104293" y="3522269"/>
+            <a:ext cx="2803022" cy="1562061"/>
+          </a:xfrm>
+          <a:prstGeom prst="rect">
+            <a:avLst/>
+          </a:prstGeom>
+        </p:spPr>
+        <p:style>
+          <a:lnRef idx="2">
+            <a:schemeClr val="accent3">
+              <a:shade val="50000"/>
+            </a:schemeClr>
+          </a:lnRef>
+          <a:fillRef idx="1">
+            <a:schemeClr val="accent3"/>
+          </a:fillRef>
+          <a:effectRef idx="0">
+            <a:schemeClr val="accent3"/>
+          </a:effectRef>
+          <a:fontRef idx="minor">
+            <a:schemeClr val="lt1"/>
+          </a:fontRef>
+        </p:style>
+        <p:txBody>
+          <a:bodyPr rtlCol="0" anchor="ctr"/>
+          <a:lstStyle/>
+          <a:p>
+            <a:pPr algn="ctr"/>
+            <a:endParaRPr lang="ru-RU"/>
+          </a:p>
+        </p:txBody>
+      </p:sp>
+      <p:sp>
+        <p:nvSpPr>
+          <p:cNvPr id="7" name="Прямоугольник 6"/>
+          <p:cNvSpPr/>
+          <p:nvPr/>
+        </p:nvSpPr>
+        <p:spPr>
+          <a:xfrm>
+            <a:off x="7214536" y="3522270"/>
+            <a:ext cx="4495088" cy="1562061"/>
+          </a:xfrm>
+          <a:prstGeom prst="rect">
+            <a:avLst/>
+          </a:prstGeom>
+        </p:spPr>
+        <p:style>
+          <a:lnRef idx="2">
+            <a:schemeClr val="accent3">
+              <a:shade val="50000"/>
+            </a:schemeClr>
+          </a:lnRef>
+          <a:fillRef idx="1">
+            <a:schemeClr val="accent3"/>
+          </a:fillRef>
+          <a:effectRef idx="0">
+            <a:schemeClr val="accent3"/>
+          </a:effectRef>
+          <a:fontRef idx="minor">
+            <a:schemeClr val="lt1"/>
+          </a:fontRef>
+        </p:style>
+        <p:txBody>
+          <a:bodyPr rtlCol="0" anchor="ctr"/>
+          <a:lstStyle/>
+          <a:p>
+            <a:pPr algn="ctr"/>
+            <a:endParaRPr lang="ru-RU"/>
+          </a:p>
+        </p:txBody>
+      </p:sp>
+      <p:sp>
+        <p:nvSpPr>
           <p:cNvPr id="2" name="Заголовок 1"/>
           <p:cNvSpPr>
             <a:spLocks noGrp="1"/>
@@ -8948,7 +9830,15 @@
             <a:pPr algn="ctr"/>
             <a:r>
               <a:rPr lang="ru-RU" dirty="0" smtClean="0"/>
-              <a:t>Тройка сравнения</a:t>
+              <a:t>Заголовок </a:t>
+            </a:r>
+            <a:r>
+              <a:rPr lang="en-US" dirty="0" smtClean="0"/>
+              <a:t>SPARQL-</a:t>
+            </a:r>
+            <a:r>
+              <a:rPr lang="ru-RU" dirty="0" smtClean="0"/>
+              <a:t>запроса</a:t>
             </a:r>
             <a:endParaRPr lang="ru-RU" dirty="0"/>
           </a:p>
@@ -8964,25 +9854,186 @@
             <p:ph idx="1"/>
           </p:nvPr>
         </p:nvSpPr>
-        <p:spPr/>
-        <p:txBody>
-          <a:bodyPr/>
+        <p:spPr>
+          <a:xfrm>
+            <a:off x="1104293" y="1565807"/>
+            <a:ext cx="8946541" cy="1091935"/>
+          </a:xfrm>
+        </p:spPr>
+        <p:txBody>
+          <a:bodyPr>
+            <a:noAutofit/>
+          </a:bodyPr>
           <a:lstStyle/>
           <a:p>
+            <a:r>
+              <a:rPr lang="ru-RU" sz="2400" dirty="0" smtClean="0"/>
+              <a:t>В заголовке определяется тип искомой сущности на основе понятия (</a:t>
+            </a:r>
+            <a:r>
+              <a:rPr lang="en-US" sz="2400" b="1" dirty="0" smtClean="0"/>
+              <a:t>A</a:t>
+            </a:r>
+            <a:r>
+              <a:rPr lang="ru-RU" sz="2400" dirty="0" smtClean="0"/>
+              <a:t>), указанного в К-представлении входного запроса</a:t>
+            </a:r>
+            <a:endParaRPr lang="ru-RU" sz="2400" dirty="0"/>
+          </a:p>
+        </p:txBody>
+      </p:sp>
+      <p:sp>
+        <p:nvSpPr>
+          <p:cNvPr id="4" name="TextBox 3"/>
+          <p:cNvSpPr txBox="1"/>
+          <p:nvPr/>
+        </p:nvSpPr>
+        <p:spPr>
+          <a:xfrm>
+            <a:off x="1570039" y="3987785"/>
+            <a:ext cx="1871529" cy="523220"/>
+          </a:xfrm>
+          <a:prstGeom prst="rect">
+            <a:avLst/>
+          </a:prstGeom>
+          <a:noFill/>
+        </p:spPr>
+        <p:txBody>
+          <a:bodyPr wrap="square" rtlCol="0">
+            <a:spAutoFit/>
+          </a:bodyPr>
+          <a:lstStyle/>
+          <a:p>
+            <a:pPr algn="ctr"/>
+            <a:r>
+              <a:rPr lang="ru-RU" sz="2800" dirty="0" smtClean="0"/>
+              <a:t>Самолёт</a:t>
+            </a:r>
+            <a:endParaRPr lang="ru-RU" sz="2800" dirty="0"/>
+          </a:p>
+        </p:txBody>
+      </p:sp>
+      <p:sp>
+        <p:nvSpPr>
+          <p:cNvPr id="5" name="Стрелка вправо 4"/>
+          <p:cNvSpPr/>
+          <p:nvPr/>
+        </p:nvSpPr>
+        <p:spPr>
+          <a:xfrm>
+            <a:off x="4112413" y="4034582"/>
+            <a:ext cx="2897024" cy="529839"/>
+          </a:xfrm>
+          <a:prstGeom prst="rightArrow">
+            <a:avLst/>
+          </a:prstGeom>
+        </p:spPr>
+        <p:style>
+          <a:lnRef idx="2">
+            <a:schemeClr val="accent1">
+              <a:shade val="50000"/>
+            </a:schemeClr>
+          </a:lnRef>
+          <a:fillRef idx="1">
+            <a:schemeClr val="accent1"/>
+          </a:fillRef>
+          <a:effectRef idx="0">
+            <a:schemeClr val="accent1"/>
+          </a:effectRef>
+          <a:fontRef idx="minor">
+            <a:schemeClr val="lt1"/>
+          </a:fontRef>
+        </p:style>
+        <p:txBody>
+          <a:bodyPr rtlCol="0" anchor="ctr"/>
+          <a:lstStyle/>
+          <a:p>
+            <a:pPr algn="ctr"/>
             <a:endParaRPr lang="ru-RU"/>
+          </a:p>
+        </p:txBody>
+      </p:sp>
+      <p:sp>
+        <p:nvSpPr>
+          <p:cNvPr id="6" name="TextBox 5"/>
+          <p:cNvSpPr txBox="1"/>
+          <p:nvPr/>
+        </p:nvSpPr>
+        <p:spPr>
+          <a:xfrm>
+            <a:off x="7214535" y="3514672"/>
+            <a:ext cx="4495089" cy="1569660"/>
+          </a:xfrm>
+          <a:prstGeom prst="rect">
+            <a:avLst/>
+          </a:prstGeom>
+          <a:noFill/>
+        </p:spPr>
+        <p:txBody>
+          <a:bodyPr wrap="square" rtlCol="0">
+            <a:spAutoFit/>
+          </a:bodyPr>
+          <a:lstStyle/>
+          <a:p>
+            <a:r>
+              <a:rPr lang="en-US" sz="2400" dirty="0" smtClean="0"/>
+              <a:t>SELECT DISTINCT ?var1</a:t>
+            </a:r>
+          </a:p>
+          <a:p>
+            <a:r>
+              <a:rPr lang="en-US" sz="2400" dirty="0" smtClean="0"/>
+              <a:t>WHERE {</a:t>
+            </a:r>
+          </a:p>
+          <a:p>
+            <a:r>
+              <a:rPr lang="en-US" sz="2400" dirty="0" smtClean="0"/>
+              <a:t>VALUES ?var2 {</a:t>
+            </a:r>
+            <a:r>
+              <a:rPr lang="en-US" sz="2400" dirty="0" err="1" smtClean="0"/>
+              <a:t>dbo:Aircraft</a:t>
+            </a:r>
+            <a:r>
+              <a:rPr lang="en-US" sz="2400" dirty="0" smtClean="0"/>
+              <a:t>} .</a:t>
+            </a:r>
+          </a:p>
+          <a:p>
+            <a:r>
+              <a:rPr lang="en-US" sz="2400" dirty="0" smtClean="0"/>
+              <a:t>?var1 </a:t>
+            </a:r>
+            <a:r>
+              <a:rPr lang="en-US" sz="2400" dirty="0" err="1" smtClean="0"/>
+              <a:t>rdf:type</a:t>
+            </a:r>
+            <a:r>
+              <a:rPr lang="en-US" sz="2400" dirty="0" smtClean="0"/>
+              <a:t> ?var2 .</a:t>
+            </a:r>
+            <a:endParaRPr lang="ru-RU" sz="2400" dirty="0"/>
           </a:p>
         </p:txBody>
       </p:sp>
     </p:spTree>
     <p:extLst>
       <p:ext uri="{BB962C8B-B14F-4D97-AF65-F5344CB8AC3E}">
-        <p14:creationId xmlns:p14="http://schemas.microsoft.com/office/powerpoint/2010/main" val="2946279800"/>
+        <p14:creationId xmlns:p14="http://schemas.microsoft.com/office/powerpoint/2010/main" val="3128239737"/>
       </p:ext>
     </p:extLst>
   </p:cSld>
   <p:clrMapOvr>
     <a:masterClrMapping/>
   </p:clrMapOvr>
+  <p:timing>
+    <p:tnLst>
+      <p:par>
+        <p:cTn id="1" dur="indefinite" restart="never" nodeType="tmRoot"/>
+      </p:par>
+    </p:tnLst>
+  </p:timing>
 </p:sld>
 </file>
 
@@ -9021,7 +10072,7 @@
             <a:pPr algn="ctr"/>
             <a:r>
               <a:rPr lang="ru-RU" dirty="0" smtClean="0"/>
-              <a:t>Тройка сортировки</a:t>
+              <a:t>Тройка равенства</a:t>
             </a:r>
             <a:endParaRPr lang="ru-RU" dirty="0"/>
           </a:p>
@@ -9029,33 +10080,743 @@
       </p:sp>
       <p:sp>
         <p:nvSpPr>
-          <p:cNvPr id="3" name="Объект 2"/>
-          <p:cNvSpPr>
-            <a:spLocks noGrp="1"/>
-          </p:cNvSpPr>
-          <p:nvPr>
-            <p:ph idx="1"/>
-          </p:nvPr>
-        </p:nvSpPr>
-        <p:spPr/>
-        <p:txBody>
-          <a:bodyPr/>
+          <p:cNvPr id="4" name="Прямоугольник 3"/>
+          <p:cNvSpPr/>
+          <p:nvPr/>
+        </p:nvSpPr>
+        <p:spPr>
+          <a:xfrm>
+            <a:off x="674136" y="1445641"/>
+            <a:ext cx="3868856" cy="1200329"/>
+          </a:xfrm>
+          <a:prstGeom prst="rect">
+            <a:avLst/>
+          </a:prstGeom>
+        </p:spPr>
+        <p:style>
+          <a:lnRef idx="2">
+            <a:schemeClr val="accent3">
+              <a:shade val="50000"/>
+            </a:schemeClr>
+          </a:lnRef>
+          <a:fillRef idx="1">
+            <a:schemeClr val="accent3"/>
+          </a:fillRef>
+          <a:effectRef idx="0">
+            <a:schemeClr val="accent3"/>
+          </a:effectRef>
+          <a:fontRef idx="minor">
+            <a:schemeClr val="lt1"/>
+          </a:fontRef>
+        </p:style>
+        <p:txBody>
+          <a:bodyPr rtlCol="0" anchor="ctr"/>
           <a:lstStyle/>
           <a:p>
+            <a:pPr algn="ctr"/>
             <a:endParaRPr lang="ru-RU"/>
           </a:p>
         </p:txBody>
       </p:sp>
+      <p:sp>
+        <p:nvSpPr>
+          <p:cNvPr id="5" name="Прямоугольник 4"/>
+          <p:cNvSpPr/>
+          <p:nvPr/>
+        </p:nvSpPr>
+        <p:spPr>
+          <a:xfrm>
+            <a:off x="6985472" y="1445641"/>
+            <a:ext cx="4927365" cy="1200329"/>
+          </a:xfrm>
+          <a:prstGeom prst="rect">
+            <a:avLst/>
+          </a:prstGeom>
+        </p:spPr>
+        <p:style>
+          <a:lnRef idx="2">
+            <a:schemeClr val="accent3">
+              <a:shade val="50000"/>
+            </a:schemeClr>
+          </a:lnRef>
+          <a:fillRef idx="1">
+            <a:schemeClr val="accent3"/>
+          </a:fillRef>
+          <a:effectRef idx="0">
+            <a:schemeClr val="accent3"/>
+          </a:effectRef>
+          <a:fontRef idx="minor">
+            <a:schemeClr val="lt1"/>
+          </a:fontRef>
+        </p:style>
+        <p:txBody>
+          <a:bodyPr rtlCol="0" anchor="ctr"/>
+          <a:lstStyle/>
+          <a:p>
+            <a:pPr algn="ctr"/>
+            <a:endParaRPr lang="ru-RU"/>
+          </a:p>
+        </p:txBody>
+      </p:sp>
+      <p:sp>
+        <p:nvSpPr>
+          <p:cNvPr id="6" name="TextBox 5"/>
+          <p:cNvSpPr txBox="1"/>
+          <p:nvPr/>
+        </p:nvSpPr>
+        <p:spPr>
+          <a:xfrm>
+            <a:off x="646111" y="1780885"/>
+            <a:ext cx="3896881" cy="523220"/>
+          </a:xfrm>
+          <a:prstGeom prst="rect">
+            <a:avLst/>
+          </a:prstGeom>
+          <a:noFill/>
+        </p:spPr>
+        <p:txBody>
+          <a:bodyPr wrap="square" rtlCol="0">
+            <a:spAutoFit/>
+          </a:bodyPr>
+          <a:lstStyle/>
+          <a:p>
+            <a:pPr algn="ctr"/>
+            <a:r>
+              <a:rPr lang="ru-RU" sz="2800" dirty="0" smtClean="0"/>
+              <a:t>(Страна, =, Россия )</a:t>
+            </a:r>
+            <a:endParaRPr lang="ru-RU" sz="2800" dirty="0"/>
+          </a:p>
+        </p:txBody>
+      </p:sp>
+      <p:sp>
+        <p:nvSpPr>
+          <p:cNvPr id="7" name="Стрелка вправо 6"/>
+          <p:cNvSpPr/>
+          <p:nvPr/>
+        </p:nvSpPr>
+        <p:spPr>
+          <a:xfrm>
+            <a:off x="4883427" y="1780885"/>
+            <a:ext cx="1750002" cy="529839"/>
+          </a:xfrm>
+          <a:prstGeom prst="rightArrow">
+            <a:avLst/>
+          </a:prstGeom>
+        </p:spPr>
+        <p:style>
+          <a:lnRef idx="2">
+            <a:schemeClr val="accent1">
+              <a:shade val="50000"/>
+            </a:schemeClr>
+          </a:lnRef>
+          <a:fillRef idx="1">
+            <a:schemeClr val="accent1"/>
+          </a:fillRef>
+          <a:effectRef idx="0">
+            <a:schemeClr val="accent1"/>
+          </a:effectRef>
+          <a:fontRef idx="minor">
+            <a:schemeClr val="lt1"/>
+          </a:fontRef>
+        </p:style>
+        <p:txBody>
+          <a:bodyPr rtlCol="0" anchor="ctr"/>
+          <a:lstStyle/>
+          <a:p>
+            <a:pPr algn="ctr"/>
+            <a:endParaRPr lang="ru-RU"/>
+          </a:p>
+        </p:txBody>
+      </p:sp>
+      <p:sp>
+        <p:nvSpPr>
+          <p:cNvPr id="8" name="TextBox 7"/>
+          <p:cNvSpPr txBox="1"/>
+          <p:nvPr/>
+        </p:nvSpPr>
+        <p:spPr>
+          <a:xfrm>
+            <a:off x="6985473" y="1445641"/>
+            <a:ext cx="4517166" cy="1200329"/>
+          </a:xfrm>
+          <a:prstGeom prst="rect">
+            <a:avLst/>
+          </a:prstGeom>
+          <a:noFill/>
+        </p:spPr>
+        <p:txBody>
+          <a:bodyPr wrap="square" rtlCol="0">
+            <a:spAutoFit/>
+          </a:bodyPr>
+          <a:lstStyle/>
+          <a:p>
+            <a:r>
+              <a:rPr lang="en-US" sz="2400" dirty="0"/>
+              <a:t>VALUES </a:t>
+            </a:r>
+            <a:r>
+              <a:rPr lang="en-US" sz="2400" dirty="0" smtClean="0"/>
+              <a:t>?</a:t>
+            </a:r>
+            <a:r>
+              <a:rPr lang="en-US" sz="2400" dirty="0"/>
+              <a:t>p</a:t>
+            </a:r>
+            <a:r>
+              <a:rPr lang="ru-RU" sz="2400" dirty="0" smtClean="0"/>
+              <a:t>3</a:t>
+            </a:r>
+            <a:r>
+              <a:rPr lang="en-US" sz="2400" dirty="0" smtClean="0"/>
+              <a:t> </a:t>
+            </a:r>
+            <a:r>
+              <a:rPr lang="en-US" sz="2400" dirty="0"/>
+              <a:t>{</a:t>
+            </a:r>
+            <a:r>
+              <a:rPr lang="en-US" sz="2400" dirty="0" err="1" smtClean="0"/>
+              <a:t>dbo:country</a:t>
+            </a:r>
+            <a:r>
+              <a:rPr lang="en-US" sz="2400" dirty="0" smtClean="0"/>
+              <a:t>} .</a:t>
+            </a:r>
+            <a:endParaRPr lang="ru-RU" sz="2400" dirty="0" smtClean="0"/>
+          </a:p>
+          <a:p>
+            <a:r>
+              <a:rPr lang="en-US" sz="2400" dirty="0" smtClean="0"/>
+              <a:t>VALUES ?</a:t>
+            </a:r>
+            <a:r>
+              <a:rPr lang="en-US" sz="2400" dirty="0" err="1" smtClean="0"/>
+              <a:t>var</a:t>
+            </a:r>
+            <a:r>
+              <a:rPr lang="ru-RU" sz="2400" dirty="0" smtClean="0"/>
+              <a:t>3</a:t>
+            </a:r>
+            <a:r>
+              <a:rPr lang="en-US" sz="2400" dirty="0" smtClean="0"/>
+              <a:t> {</a:t>
+            </a:r>
+            <a:r>
+              <a:rPr lang="en-US" sz="2400" dirty="0" err="1" smtClean="0"/>
+              <a:t>dbo:Aircraft</a:t>
+            </a:r>
+            <a:r>
+              <a:rPr lang="en-US" sz="2400" dirty="0" smtClean="0"/>
+              <a:t>} .</a:t>
+            </a:r>
+          </a:p>
+          <a:p>
+            <a:r>
+              <a:rPr lang="en-US" sz="2400" dirty="0" smtClean="0"/>
+              <a:t>?var1 ?p3 ?var2 .</a:t>
+            </a:r>
+            <a:endParaRPr lang="ru-RU" sz="2400" dirty="0"/>
+          </a:p>
+        </p:txBody>
+      </p:sp>
+      <p:sp>
+        <p:nvSpPr>
+          <p:cNvPr id="9" name="Прямоугольник 8"/>
+          <p:cNvSpPr/>
+          <p:nvPr/>
+        </p:nvSpPr>
+        <p:spPr>
+          <a:xfrm>
+            <a:off x="702161" y="3278011"/>
+            <a:ext cx="3868856" cy="865083"/>
+          </a:xfrm>
+          <a:prstGeom prst="rect">
+            <a:avLst/>
+          </a:prstGeom>
+        </p:spPr>
+        <p:style>
+          <a:lnRef idx="2">
+            <a:schemeClr val="accent3">
+              <a:shade val="50000"/>
+            </a:schemeClr>
+          </a:lnRef>
+          <a:fillRef idx="1">
+            <a:schemeClr val="accent3"/>
+          </a:fillRef>
+          <a:effectRef idx="0">
+            <a:schemeClr val="accent3"/>
+          </a:effectRef>
+          <a:fontRef idx="minor">
+            <a:schemeClr val="lt1"/>
+          </a:fontRef>
+        </p:style>
+        <p:txBody>
+          <a:bodyPr rtlCol="0" anchor="ctr"/>
+          <a:lstStyle/>
+          <a:p>
+            <a:pPr algn="ctr"/>
+            <a:endParaRPr lang="ru-RU"/>
+          </a:p>
+        </p:txBody>
+      </p:sp>
+      <p:sp>
+        <p:nvSpPr>
+          <p:cNvPr id="10" name="Прямоугольник 9"/>
+          <p:cNvSpPr/>
+          <p:nvPr/>
+        </p:nvSpPr>
+        <p:spPr>
+          <a:xfrm>
+            <a:off x="7013497" y="3278011"/>
+            <a:ext cx="4899340" cy="865083"/>
+          </a:xfrm>
+          <a:prstGeom prst="rect">
+            <a:avLst/>
+          </a:prstGeom>
+        </p:spPr>
+        <p:style>
+          <a:lnRef idx="2">
+            <a:schemeClr val="accent3">
+              <a:shade val="50000"/>
+            </a:schemeClr>
+          </a:lnRef>
+          <a:fillRef idx="1">
+            <a:schemeClr val="accent3"/>
+          </a:fillRef>
+          <a:effectRef idx="0">
+            <a:schemeClr val="accent3"/>
+          </a:effectRef>
+          <a:fontRef idx="minor">
+            <a:schemeClr val="lt1"/>
+          </a:fontRef>
+        </p:style>
+        <p:txBody>
+          <a:bodyPr rtlCol="0" anchor="ctr"/>
+          <a:lstStyle/>
+          <a:p>
+            <a:pPr algn="ctr"/>
+            <a:endParaRPr lang="ru-RU"/>
+          </a:p>
+        </p:txBody>
+      </p:sp>
+      <p:sp>
+        <p:nvSpPr>
+          <p:cNvPr id="11" name="TextBox 10"/>
+          <p:cNvSpPr txBox="1"/>
+          <p:nvPr/>
+        </p:nvSpPr>
+        <p:spPr>
+          <a:xfrm>
+            <a:off x="688148" y="3431899"/>
+            <a:ext cx="3896881" cy="523220"/>
+          </a:xfrm>
+          <a:prstGeom prst="rect">
+            <a:avLst/>
+          </a:prstGeom>
+          <a:noFill/>
+        </p:spPr>
+        <p:txBody>
+          <a:bodyPr wrap="square" rtlCol="0">
+            <a:spAutoFit/>
+          </a:bodyPr>
+          <a:lstStyle/>
+          <a:p>
+            <a:pPr algn="ctr"/>
+            <a:r>
+              <a:rPr lang="ru-RU" sz="2800" dirty="0" smtClean="0"/>
+              <a:t>(Экипаж, =, 4)</a:t>
+            </a:r>
+            <a:endParaRPr lang="ru-RU" sz="2800" dirty="0"/>
+          </a:p>
+        </p:txBody>
+      </p:sp>
+      <p:sp>
+        <p:nvSpPr>
+          <p:cNvPr id="12" name="Стрелка вправо 11"/>
+          <p:cNvSpPr/>
+          <p:nvPr/>
+        </p:nvSpPr>
+        <p:spPr>
+          <a:xfrm>
+            <a:off x="4931268" y="3445632"/>
+            <a:ext cx="1750002" cy="529839"/>
+          </a:xfrm>
+          <a:prstGeom prst="rightArrow">
+            <a:avLst/>
+          </a:prstGeom>
+        </p:spPr>
+        <p:style>
+          <a:lnRef idx="2">
+            <a:schemeClr val="accent1">
+              <a:shade val="50000"/>
+            </a:schemeClr>
+          </a:lnRef>
+          <a:fillRef idx="1">
+            <a:schemeClr val="accent1"/>
+          </a:fillRef>
+          <a:effectRef idx="0">
+            <a:schemeClr val="accent1"/>
+          </a:effectRef>
+          <a:fontRef idx="minor">
+            <a:schemeClr val="lt1"/>
+          </a:fontRef>
+        </p:style>
+        <p:txBody>
+          <a:bodyPr rtlCol="0" anchor="ctr"/>
+          <a:lstStyle/>
+          <a:p>
+            <a:pPr algn="ctr"/>
+            <a:endParaRPr lang="ru-RU"/>
+          </a:p>
+        </p:txBody>
+      </p:sp>
+      <p:sp>
+        <p:nvSpPr>
+          <p:cNvPr id="13" name="TextBox 12"/>
+          <p:cNvSpPr txBox="1"/>
+          <p:nvPr/>
+        </p:nvSpPr>
+        <p:spPr>
+          <a:xfrm>
+            <a:off x="7013497" y="3278011"/>
+            <a:ext cx="4224223" cy="830997"/>
+          </a:xfrm>
+          <a:prstGeom prst="rect">
+            <a:avLst/>
+          </a:prstGeom>
+          <a:noFill/>
+        </p:spPr>
+        <p:txBody>
+          <a:bodyPr wrap="square" rtlCol="0">
+            <a:spAutoFit/>
+          </a:bodyPr>
+          <a:lstStyle/>
+          <a:p>
+            <a:r>
+              <a:rPr lang="en-US" sz="2400" dirty="0"/>
+              <a:t>VALUES </a:t>
+            </a:r>
+            <a:r>
+              <a:rPr lang="en-US" sz="2400" dirty="0" smtClean="0"/>
+              <a:t>?p</a:t>
+            </a:r>
+            <a:r>
+              <a:rPr lang="en-US" sz="2400" dirty="0"/>
+              <a:t>5</a:t>
+            </a:r>
+            <a:r>
+              <a:rPr lang="en-US" sz="2400" dirty="0" smtClean="0"/>
+              <a:t> </a:t>
+            </a:r>
+            <a:r>
+              <a:rPr lang="en-US" sz="2400" dirty="0"/>
+              <a:t>{</a:t>
+            </a:r>
+            <a:r>
+              <a:rPr lang="en-US" sz="2400" dirty="0" err="1" smtClean="0"/>
+              <a:t>dbo:Crew</a:t>
+            </a:r>
+            <a:r>
+              <a:rPr lang="en-US" sz="2400" dirty="0" smtClean="0"/>
+              <a:t>} .?var1 ?p5 </a:t>
+            </a:r>
+            <a:r>
+              <a:rPr lang="en-US" sz="2400" dirty="0" err="1" smtClean="0"/>
+              <a:t>rdf:type</a:t>
+            </a:r>
+            <a:r>
+              <a:rPr lang="en-US" sz="2400" dirty="0" smtClean="0"/>
+              <a:t> 4.</a:t>
+            </a:r>
+            <a:endParaRPr lang="ru-RU" sz="2400" dirty="0"/>
+          </a:p>
+        </p:txBody>
+      </p:sp>
+      <p:sp>
+        <p:nvSpPr>
+          <p:cNvPr id="14" name="Прямоугольник 13"/>
+          <p:cNvSpPr/>
+          <p:nvPr/>
+        </p:nvSpPr>
+        <p:spPr>
+          <a:xfrm>
+            <a:off x="716174" y="4741048"/>
+            <a:ext cx="3868856" cy="1352103"/>
+          </a:xfrm>
+          <a:prstGeom prst="rect">
+            <a:avLst/>
+          </a:prstGeom>
+        </p:spPr>
+        <p:style>
+          <a:lnRef idx="2">
+            <a:schemeClr val="accent3">
+              <a:shade val="50000"/>
+            </a:schemeClr>
+          </a:lnRef>
+          <a:fillRef idx="1">
+            <a:schemeClr val="accent3"/>
+          </a:fillRef>
+          <a:effectRef idx="0">
+            <a:schemeClr val="accent3"/>
+          </a:effectRef>
+          <a:fontRef idx="minor">
+            <a:schemeClr val="lt1"/>
+          </a:fontRef>
+        </p:style>
+        <p:txBody>
+          <a:bodyPr rtlCol="0" anchor="ctr"/>
+          <a:lstStyle/>
+          <a:p>
+            <a:pPr algn="ctr"/>
+            <a:endParaRPr lang="ru-RU"/>
+          </a:p>
+        </p:txBody>
+      </p:sp>
+      <p:sp>
+        <p:nvSpPr>
+          <p:cNvPr id="16" name="TextBox 15"/>
+          <p:cNvSpPr txBox="1"/>
+          <p:nvPr/>
+        </p:nvSpPr>
+        <p:spPr>
+          <a:xfrm>
+            <a:off x="716173" y="5149283"/>
+            <a:ext cx="3896881" cy="523220"/>
+          </a:xfrm>
+          <a:prstGeom prst="rect">
+            <a:avLst/>
+          </a:prstGeom>
+          <a:noFill/>
+        </p:spPr>
+        <p:txBody>
+          <a:bodyPr wrap="square" rtlCol="0">
+            <a:spAutoFit/>
+          </a:bodyPr>
+          <a:lstStyle/>
+          <a:p>
+            <a:pPr algn="ctr"/>
+            <a:r>
+              <a:rPr lang="ru-RU" sz="2800" dirty="0" smtClean="0"/>
+              <a:t>(Радиус, =, </a:t>
+            </a:r>
+            <a:r>
+              <a:rPr lang="en-US" sz="2800" dirty="0" smtClean="0"/>
+              <a:t>#</a:t>
+            </a:r>
+            <a:r>
+              <a:rPr lang="ru-RU" sz="2800" dirty="0" smtClean="0"/>
+              <a:t>макс</a:t>
+            </a:r>
+            <a:r>
+              <a:rPr lang="en-US" sz="2800" dirty="0" smtClean="0"/>
+              <a:t>#</a:t>
+            </a:r>
+            <a:r>
+              <a:rPr lang="ru-RU" sz="2800" dirty="0" smtClean="0"/>
+              <a:t>)</a:t>
+            </a:r>
+            <a:endParaRPr lang="ru-RU" sz="2800" dirty="0"/>
+          </a:p>
+        </p:txBody>
+      </p:sp>
+      <p:sp>
+        <p:nvSpPr>
+          <p:cNvPr id="17" name="Стрелка вправо 16"/>
+          <p:cNvSpPr/>
+          <p:nvPr/>
+        </p:nvSpPr>
+        <p:spPr>
+          <a:xfrm>
+            <a:off x="4945281" y="5156546"/>
+            <a:ext cx="1750002" cy="529839"/>
+          </a:xfrm>
+          <a:prstGeom prst="rightArrow">
+            <a:avLst/>
+          </a:prstGeom>
+        </p:spPr>
+        <p:style>
+          <a:lnRef idx="2">
+            <a:schemeClr val="accent1">
+              <a:shade val="50000"/>
+            </a:schemeClr>
+          </a:lnRef>
+          <a:fillRef idx="1">
+            <a:schemeClr val="accent1"/>
+          </a:fillRef>
+          <a:effectRef idx="0">
+            <a:schemeClr val="accent1"/>
+          </a:effectRef>
+          <a:fontRef idx="minor">
+            <a:schemeClr val="lt1"/>
+          </a:fontRef>
+        </p:style>
+        <p:txBody>
+          <a:bodyPr rtlCol="0" anchor="ctr"/>
+          <a:lstStyle/>
+          <a:p>
+            <a:pPr algn="ctr"/>
+            <a:endParaRPr lang="ru-RU"/>
+          </a:p>
+        </p:txBody>
+      </p:sp>
+      <p:grpSp>
+        <p:nvGrpSpPr>
+          <p:cNvPr id="19" name="Группа 18"/>
+          <p:cNvGrpSpPr/>
+          <p:nvPr/>
+        </p:nvGrpSpPr>
+        <p:grpSpPr>
+          <a:xfrm>
+            <a:off x="7027510" y="4395035"/>
+            <a:ext cx="4885327" cy="2052859"/>
+            <a:chOff x="7027510" y="4395035"/>
+            <a:chExt cx="4885327" cy="2052859"/>
+          </a:xfrm>
+        </p:grpSpPr>
+        <p:sp>
+          <p:nvSpPr>
+            <p:cNvPr id="15" name="Прямоугольник 14"/>
+            <p:cNvSpPr/>
+            <p:nvPr/>
+          </p:nvSpPr>
+          <p:spPr>
+            <a:xfrm>
+              <a:off x="7027510" y="4395035"/>
+              <a:ext cx="4885327" cy="2052859"/>
+            </a:xfrm>
+            <a:prstGeom prst="rect">
+              <a:avLst/>
+            </a:prstGeom>
+          </p:spPr>
+          <p:style>
+            <a:lnRef idx="2">
+              <a:schemeClr val="accent3">
+                <a:shade val="50000"/>
+              </a:schemeClr>
+            </a:lnRef>
+            <a:fillRef idx="1">
+              <a:schemeClr val="accent3"/>
+            </a:fillRef>
+            <a:effectRef idx="0">
+              <a:schemeClr val="accent3"/>
+            </a:effectRef>
+            <a:fontRef idx="minor">
+              <a:schemeClr val="lt1"/>
+            </a:fontRef>
+          </p:style>
+          <p:txBody>
+            <a:bodyPr rtlCol="0" anchor="ctr"/>
+            <a:lstStyle/>
+            <a:p>
+              <a:pPr algn="ctr"/>
+              <a:endParaRPr lang="ru-RU"/>
+            </a:p>
+          </p:txBody>
+        </p:sp>
+        <p:sp>
+          <p:nvSpPr>
+            <p:cNvPr id="18" name="TextBox 17"/>
+            <p:cNvSpPr txBox="1"/>
+            <p:nvPr/>
+          </p:nvSpPr>
+          <p:spPr>
+            <a:xfrm>
+              <a:off x="7027511" y="4451968"/>
+              <a:ext cx="4885326" cy="1938992"/>
+            </a:xfrm>
+            <a:prstGeom prst="rect">
+              <a:avLst/>
+            </a:prstGeom>
+            <a:noFill/>
+          </p:spPr>
+          <p:txBody>
+            <a:bodyPr wrap="square" rtlCol="0">
+              <a:spAutoFit/>
+            </a:bodyPr>
+            <a:lstStyle/>
+            <a:p>
+              <a:r>
+                <a:rPr lang="en-US" sz="2400" dirty="0"/>
+                <a:t>VALUES</a:t>
+              </a:r>
+              <a:r>
+                <a:rPr lang="en-US" sz="2400" dirty="0" smtClean="0"/>
+                <a:t> </a:t>
+              </a:r>
+              <a:r>
+                <a:rPr lang="en-US" sz="2400" dirty="0"/>
+                <a:t>?p4 </a:t>
+              </a:r>
+              <a:r>
+                <a:rPr lang="en-US" sz="2400" dirty="0" smtClean="0"/>
+                <a:t>{</a:t>
+              </a:r>
+              <a:r>
+                <a:rPr lang="en-US" sz="2400" dirty="0" err="1" smtClean="0"/>
+                <a:t>dbo:radius</a:t>
+              </a:r>
+              <a:r>
+                <a:rPr lang="en-US" sz="2400" dirty="0" smtClean="0"/>
+                <a:t>, </a:t>
+              </a:r>
+              <a:r>
+                <a:rPr lang="en-US" sz="2400" dirty="0" err="1" smtClean="0"/>
+                <a:t>dbo:meanRadius</a:t>
+              </a:r>
+              <a:r>
+                <a:rPr lang="en-US" sz="2400" dirty="0" smtClean="0"/>
+                <a:t>} </a:t>
+              </a:r>
+              <a:r>
+                <a:rPr lang="en-US" sz="2400" dirty="0"/>
+                <a:t>.</a:t>
+              </a:r>
+            </a:p>
+            <a:p>
+              <a:r>
+                <a:rPr lang="en-US" sz="2400" dirty="0"/>
+                <a:t>?var1 ?p4 ?var4 </a:t>
+              </a:r>
+              <a:r>
+                <a:rPr lang="en-US" sz="2400" dirty="0" smtClean="0"/>
+                <a:t>.</a:t>
+              </a:r>
+              <a:endParaRPr lang="ru-RU" sz="2400" dirty="0" smtClean="0"/>
+            </a:p>
+            <a:p>
+              <a:r>
+                <a:rPr lang="ru-RU" sz="2400" dirty="0" smtClean="0"/>
+                <a:t>…</a:t>
+              </a:r>
+            </a:p>
+            <a:p>
+              <a:r>
+                <a:rPr lang="en-US" sz="2400" dirty="0" smtClean="0"/>
+                <a:t>} ORDER BY DESC (?var4) LIMIT 1</a:t>
+              </a:r>
+              <a:endParaRPr lang="en-US" sz="2400" dirty="0"/>
+            </a:p>
+          </p:txBody>
+        </p:sp>
+      </p:grpSp>
     </p:spTree>
     <p:extLst>
       <p:ext uri="{BB962C8B-B14F-4D97-AF65-F5344CB8AC3E}">
-        <p14:creationId xmlns:p14="http://schemas.microsoft.com/office/powerpoint/2010/main" val="2370867983"/>
+        <p14:creationId xmlns:p14="http://schemas.microsoft.com/office/powerpoint/2010/main" val="2690675119"/>
       </p:ext>
     </p:extLst>
   </p:cSld>
   <p:clrMapOvr>
     <a:masterClrMapping/>
   </p:clrMapOvr>
+  <p:timing>
+    <p:tnLst>
+      <p:par>
+        <p:cTn id="1" dur="indefinite" restart="never" nodeType="tmRoot"/>
+      </p:par>
+    </p:tnLst>
+  </p:timing>
 </p:sld>
 </file>
 
@@ -9094,7 +10855,7 @@
             <a:pPr algn="ctr"/>
             <a:r>
               <a:rPr lang="ru-RU" dirty="0" smtClean="0"/>
-              <a:t>Средства разработки</a:t>
+              <a:t>Тройка сравнения</a:t>
             </a:r>
             <a:endParaRPr lang="ru-RU" dirty="0"/>
           </a:p>
@@ -9102,33 +10863,534 @@
       </p:sp>
       <p:sp>
         <p:nvSpPr>
-          <p:cNvPr id="3" name="Объект 2"/>
-          <p:cNvSpPr>
-            <a:spLocks noGrp="1"/>
-          </p:cNvSpPr>
-          <p:nvPr>
-            <p:ph idx="1"/>
-          </p:nvPr>
-        </p:nvSpPr>
-        <p:spPr/>
-        <p:txBody>
-          <a:bodyPr/>
+          <p:cNvPr id="9" name="Прямоугольник 8"/>
+          <p:cNvSpPr/>
+          <p:nvPr/>
+        </p:nvSpPr>
+        <p:spPr>
+          <a:xfrm>
+            <a:off x="446845" y="1678117"/>
+            <a:ext cx="4694644" cy="1938992"/>
+          </a:xfrm>
+          <a:prstGeom prst="rect">
+            <a:avLst/>
+          </a:prstGeom>
+        </p:spPr>
+        <p:style>
+          <a:lnRef idx="2">
+            <a:schemeClr val="accent3">
+              <a:shade val="50000"/>
+            </a:schemeClr>
+          </a:lnRef>
+          <a:fillRef idx="1">
+            <a:schemeClr val="accent3"/>
+          </a:fillRef>
+          <a:effectRef idx="0">
+            <a:schemeClr val="accent3"/>
+          </a:effectRef>
+          <a:fontRef idx="minor">
+            <a:schemeClr val="lt1"/>
+          </a:fontRef>
+        </p:style>
+        <p:txBody>
+          <a:bodyPr rtlCol="0" anchor="ctr"/>
           <a:lstStyle/>
           <a:p>
+            <a:pPr algn="ctr"/>
             <a:endParaRPr lang="ru-RU"/>
+          </a:p>
+        </p:txBody>
+      </p:sp>
+      <p:sp>
+        <p:nvSpPr>
+          <p:cNvPr id="10" name="Прямоугольник 9"/>
+          <p:cNvSpPr/>
+          <p:nvPr/>
+        </p:nvSpPr>
+        <p:spPr>
+          <a:xfrm>
+            <a:off x="7389512" y="1678117"/>
+            <a:ext cx="4375919" cy="1938992"/>
+          </a:xfrm>
+          <a:prstGeom prst="rect">
+            <a:avLst/>
+          </a:prstGeom>
+        </p:spPr>
+        <p:style>
+          <a:lnRef idx="2">
+            <a:schemeClr val="accent3">
+              <a:shade val="50000"/>
+            </a:schemeClr>
+          </a:lnRef>
+          <a:fillRef idx="1">
+            <a:schemeClr val="accent3"/>
+          </a:fillRef>
+          <a:effectRef idx="0">
+            <a:schemeClr val="accent3"/>
+          </a:effectRef>
+          <a:fontRef idx="minor">
+            <a:schemeClr val="lt1"/>
+          </a:fontRef>
+        </p:style>
+        <p:txBody>
+          <a:bodyPr rtlCol="0" anchor="ctr"/>
+          <a:lstStyle/>
+          <a:p>
+            <a:pPr algn="ctr"/>
+            <a:endParaRPr lang="ru-RU"/>
+          </a:p>
+        </p:txBody>
+      </p:sp>
+      <p:sp>
+        <p:nvSpPr>
+          <p:cNvPr id="11" name="TextBox 10"/>
+          <p:cNvSpPr txBox="1"/>
+          <p:nvPr/>
+        </p:nvSpPr>
+        <p:spPr>
+          <a:xfrm>
+            <a:off x="390104" y="2386003"/>
+            <a:ext cx="4808126" cy="523220"/>
+          </a:xfrm>
+          <a:prstGeom prst="rect">
+            <a:avLst/>
+          </a:prstGeom>
+          <a:noFill/>
+        </p:spPr>
+        <p:txBody>
+          <a:bodyPr wrap="square" rtlCol="0">
+            <a:spAutoFit/>
+          </a:bodyPr>
+          <a:lstStyle/>
+          <a:p>
+            <a:pPr algn="ctr"/>
+            <a:r>
+              <a:rPr lang="ru-RU" sz="2800" dirty="0" smtClean="0"/>
+              <a:t>(</a:t>
+            </a:r>
+            <a:r>
+              <a:rPr lang="ru-RU" sz="2800" dirty="0" err="1" smtClean="0"/>
+              <a:t>Колич</a:t>
+            </a:r>
+            <a:r>
+              <a:rPr lang="ru-RU" sz="2800" dirty="0" smtClean="0"/>
+              <a:t>-жителей, </a:t>
+            </a:r>
+            <a:r>
+              <a:rPr lang="en-US" sz="2800" dirty="0" smtClean="0"/>
+              <a:t>&lt;</a:t>
+            </a:r>
+            <a:r>
+              <a:rPr lang="ru-RU" sz="2800" dirty="0" smtClean="0"/>
+              <a:t>, </a:t>
+            </a:r>
+            <a:r>
+              <a:rPr lang="en-US" sz="2800" dirty="0" smtClean="0"/>
+              <a:t>50000</a:t>
+            </a:r>
+            <a:r>
+              <a:rPr lang="ru-RU" sz="2800" dirty="0" smtClean="0"/>
+              <a:t>)</a:t>
+            </a:r>
+            <a:endParaRPr lang="ru-RU" sz="2800" dirty="0"/>
+          </a:p>
+        </p:txBody>
+      </p:sp>
+      <p:sp>
+        <p:nvSpPr>
+          <p:cNvPr id="12" name="Стрелка вправо 11"/>
+          <p:cNvSpPr/>
+          <p:nvPr/>
+        </p:nvSpPr>
+        <p:spPr>
+          <a:xfrm>
+            <a:off x="5362129" y="2386003"/>
+            <a:ext cx="1750002" cy="529839"/>
+          </a:xfrm>
+          <a:prstGeom prst="rightArrow">
+            <a:avLst/>
+          </a:prstGeom>
+        </p:spPr>
+        <p:style>
+          <a:lnRef idx="2">
+            <a:schemeClr val="accent1">
+              <a:shade val="50000"/>
+            </a:schemeClr>
+          </a:lnRef>
+          <a:fillRef idx="1">
+            <a:schemeClr val="accent1"/>
+          </a:fillRef>
+          <a:effectRef idx="0">
+            <a:schemeClr val="accent1"/>
+          </a:effectRef>
+          <a:fontRef idx="minor">
+            <a:schemeClr val="lt1"/>
+          </a:fontRef>
+        </p:style>
+        <p:txBody>
+          <a:bodyPr rtlCol="0" anchor="ctr"/>
+          <a:lstStyle/>
+          <a:p>
+            <a:pPr algn="ctr"/>
+            <a:endParaRPr lang="ru-RU"/>
+          </a:p>
+        </p:txBody>
+      </p:sp>
+      <p:sp>
+        <p:nvSpPr>
+          <p:cNvPr id="13" name="TextBox 12"/>
+          <p:cNvSpPr txBox="1"/>
+          <p:nvPr/>
+        </p:nvSpPr>
+        <p:spPr>
+          <a:xfrm>
+            <a:off x="7389512" y="1678117"/>
+            <a:ext cx="4512651" cy="1938992"/>
+          </a:xfrm>
+          <a:prstGeom prst="rect">
+            <a:avLst/>
+          </a:prstGeom>
+          <a:noFill/>
+        </p:spPr>
+        <p:txBody>
+          <a:bodyPr wrap="square" rtlCol="0">
+            <a:spAutoFit/>
+          </a:bodyPr>
+          <a:lstStyle/>
+          <a:p>
+            <a:r>
+              <a:rPr lang="en-US" sz="2400" dirty="0"/>
+              <a:t>VALUES</a:t>
+            </a:r>
+            <a:r>
+              <a:rPr lang="en-US" sz="2400" dirty="0" smtClean="0"/>
+              <a:t> </a:t>
+            </a:r>
+            <a:r>
+              <a:rPr lang="en-US" sz="2400" dirty="0"/>
+              <a:t>?p4 {</a:t>
+            </a:r>
+            <a:r>
+              <a:rPr lang="en-US" sz="2400" dirty="0" err="1"/>
+              <a:t>dbp:population</a:t>
+            </a:r>
+            <a:r>
+              <a:rPr lang="en-US" sz="2400" dirty="0"/>
+              <a:t> </a:t>
+            </a:r>
+            <a:r>
+              <a:rPr lang="en-US" sz="2400" dirty="0" err="1"/>
+              <a:t>dbp:populationTotal</a:t>
+            </a:r>
+            <a:r>
+              <a:rPr lang="en-US" sz="2400" dirty="0"/>
+              <a:t> </a:t>
+            </a:r>
+            <a:r>
+              <a:rPr lang="en-US" sz="2400" dirty="0" err="1"/>
+              <a:t>dbp:p</a:t>
+            </a:r>
+            <a:r>
+              <a:rPr lang="en-US" sz="2400" dirty="0"/>
+              <a:t> dbp:pop2010census} .</a:t>
+            </a:r>
+          </a:p>
+          <a:p>
+            <a:r>
+              <a:rPr lang="en-US" sz="2400" dirty="0" smtClean="0"/>
+              <a:t>?</a:t>
+            </a:r>
+            <a:r>
+              <a:rPr lang="en-US" sz="2400" dirty="0"/>
+              <a:t>var1 ?p4 ?var4 .</a:t>
+            </a:r>
+          </a:p>
+          <a:p>
+            <a:r>
+              <a:rPr lang="en-US" sz="2400" dirty="0" smtClean="0"/>
+              <a:t>filter </a:t>
+            </a:r>
+            <a:r>
+              <a:rPr lang="en-US" sz="2400" dirty="0"/>
+              <a:t>(?var4 &lt; 50000) .</a:t>
+            </a:r>
+            <a:endParaRPr lang="ru-RU" sz="2400" dirty="0"/>
+          </a:p>
+        </p:txBody>
+      </p:sp>
+      <p:sp>
+        <p:nvSpPr>
+          <p:cNvPr id="14" name="Прямоугольник 13"/>
+          <p:cNvSpPr/>
+          <p:nvPr/>
+        </p:nvSpPr>
+        <p:spPr>
+          <a:xfrm>
+            <a:off x="446845" y="4324995"/>
+            <a:ext cx="4694644" cy="1674153"/>
+          </a:xfrm>
+          <a:prstGeom prst="rect">
+            <a:avLst/>
+          </a:prstGeom>
+        </p:spPr>
+        <p:style>
+          <a:lnRef idx="2">
+            <a:schemeClr val="accent3">
+              <a:shade val="50000"/>
+            </a:schemeClr>
+          </a:lnRef>
+          <a:fillRef idx="1">
+            <a:schemeClr val="accent3"/>
+          </a:fillRef>
+          <a:effectRef idx="0">
+            <a:schemeClr val="accent3"/>
+          </a:effectRef>
+          <a:fontRef idx="minor">
+            <a:schemeClr val="lt1"/>
+          </a:fontRef>
+        </p:style>
+        <p:txBody>
+          <a:bodyPr rtlCol="0" anchor="ctr"/>
+          <a:lstStyle/>
+          <a:p>
+            <a:pPr algn="ctr"/>
+            <a:endParaRPr lang="ru-RU"/>
+          </a:p>
+        </p:txBody>
+      </p:sp>
+      <p:sp>
+        <p:nvSpPr>
+          <p:cNvPr id="15" name="Прямоугольник 14"/>
+          <p:cNvSpPr/>
+          <p:nvPr/>
+        </p:nvSpPr>
+        <p:spPr>
+          <a:xfrm>
+            <a:off x="7389512" y="4324995"/>
+            <a:ext cx="4375919" cy="1674153"/>
+          </a:xfrm>
+          <a:prstGeom prst="rect">
+            <a:avLst/>
+          </a:prstGeom>
+        </p:spPr>
+        <p:style>
+          <a:lnRef idx="2">
+            <a:schemeClr val="accent3">
+              <a:shade val="50000"/>
+            </a:schemeClr>
+          </a:lnRef>
+          <a:fillRef idx="1">
+            <a:schemeClr val="accent3"/>
+          </a:fillRef>
+          <a:effectRef idx="0">
+            <a:schemeClr val="accent3"/>
+          </a:effectRef>
+          <a:fontRef idx="minor">
+            <a:schemeClr val="lt1"/>
+          </a:fontRef>
+        </p:style>
+        <p:txBody>
+          <a:bodyPr rtlCol="0" anchor="ctr"/>
+          <a:lstStyle/>
+          <a:p>
+            <a:pPr algn="ctr"/>
+            <a:endParaRPr lang="ru-RU"/>
+          </a:p>
+        </p:txBody>
+      </p:sp>
+      <p:sp>
+        <p:nvSpPr>
+          <p:cNvPr id="16" name="TextBox 15"/>
+          <p:cNvSpPr txBox="1"/>
+          <p:nvPr/>
+        </p:nvSpPr>
+        <p:spPr>
+          <a:xfrm>
+            <a:off x="984171" y="4897151"/>
+            <a:ext cx="3896881" cy="523220"/>
+          </a:xfrm>
+          <a:prstGeom prst="rect">
+            <a:avLst/>
+          </a:prstGeom>
+          <a:noFill/>
+        </p:spPr>
+        <p:txBody>
+          <a:bodyPr wrap="square" rtlCol="0">
+            <a:spAutoFit/>
+          </a:bodyPr>
+          <a:lstStyle/>
+          <a:p>
+            <a:pPr algn="ctr"/>
+            <a:r>
+              <a:rPr lang="ru-RU" sz="2800" dirty="0" smtClean="0"/>
+              <a:t>(Радиус, =, </a:t>
+            </a:r>
+            <a:r>
+              <a:rPr lang="en-US" sz="2800" dirty="0" smtClean="0"/>
+              <a:t>#</a:t>
+            </a:r>
+            <a:r>
+              <a:rPr lang="ru-RU" sz="2800" dirty="0" smtClean="0"/>
+              <a:t>макс</a:t>
+            </a:r>
+            <a:r>
+              <a:rPr lang="en-US" sz="2800" dirty="0" smtClean="0"/>
+              <a:t>#</a:t>
+            </a:r>
+            <a:r>
+              <a:rPr lang="ru-RU" sz="2800" dirty="0" smtClean="0"/>
+              <a:t>)</a:t>
+            </a:r>
+            <a:endParaRPr lang="ru-RU" sz="2800" dirty="0"/>
+          </a:p>
+        </p:txBody>
+      </p:sp>
+      <p:sp>
+        <p:nvSpPr>
+          <p:cNvPr id="17" name="Стрелка вправо 16"/>
+          <p:cNvSpPr/>
+          <p:nvPr/>
+        </p:nvSpPr>
+        <p:spPr>
+          <a:xfrm>
+            <a:off x="5321295" y="4897151"/>
+            <a:ext cx="1750002" cy="529839"/>
+          </a:xfrm>
+          <a:prstGeom prst="rightArrow">
+            <a:avLst/>
+          </a:prstGeom>
+        </p:spPr>
+        <p:style>
+          <a:lnRef idx="2">
+            <a:schemeClr val="accent1">
+              <a:shade val="50000"/>
+            </a:schemeClr>
+          </a:lnRef>
+          <a:fillRef idx="1">
+            <a:schemeClr val="accent1"/>
+          </a:fillRef>
+          <a:effectRef idx="0">
+            <a:schemeClr val="accent1"/>
+          </a:effectRef>
+          <a:fontRef idx="minor">
+            <a:schemeClr val="lt1"/>
+          </a:fontRef>
+        </p:style>
+        <p:txBody>
+          <a:bodyPr rtlCol="0" anchor="ctr"/>
+          <a:lstStyle/>
+          <a:p>
+            <a:pPr algn="ctr"/>
+            <a:endParaRPr lang="ru-RU"/>
+          </a:p>
+        </p:txBody>
+      </p:sp>
+      <p:sp>
+        <p:nvSpPr>
+          <p:cNvPr id="18" name="TextBox 17"/>
+          <p:cNvSpPr txBox="1"/>
+          <p:nvPr/>
+        </p:nvSpPr>
+        <p:spPr>
+          <a:xfrm>
+            <a:off x="7389513" y="4324995"/>
+            <a:ext cx="4210210" cy="1938992"/>
+          </a:xfrm>
+          <a:prstGeom prst="rect">
+            <a:avLst/>
+          </a:prstGeom>
+          <a:noFill/>
+        </p:spPr>
+        <p:txBody>
+          <a:bodyPr wrap="square" rtlCol="0">
+            <a:spAutoFit/>
+          </a:bodyPr>
+          <a:lstStyle/>
+          <a:p>
+            <a:r>
+              <a:rPr lang="en-US" sz="2400" dirty="0"/>
+              <a:t>VALUES</a:t>
+            </a:r>
+            <a:r>
+              <a:rPr lang="en-US" sz="2400" dirty="0" smtClean="0"/>
+              <a:t> </a:t>
+            </a:r>
+            <a:r>
+              <a:rPr lang="en-US" sz="2400" dirty="0"/>
+              <a:t>?p4 </a:t>
+            </a:r>
+            <a:r>
+              <a:rPr lang="en-US" sz="2400" dirty="0" smtClean="0"/>
+              <a:t>{</a:t>
+            </a:r>
+            <a:r>
+              <a:rPr lang="en-US" sz="2400" dirty="0" err="1" smtClean="0"/>
+              <a:t>dbo:radius</a:t>
+            </a:r>
+            <a:r>
+              <a:rPr lang="en-US" sz="2400" dirty="0" smtClean="0"/>
+              <a:t>, </a:t>
+            </a:r>
+            <a:r>
+              <a:rPr lang="en-US" sz="2400" dirty="0" err="1" smtClean="0"/>
+              <a:t>dbo:meanRadius</a:t>
+            </a:r>
+            <a:r>
+              <a:rPr lang="en-US" sz="2400" dirty="0" smtClean="0"/>
+              <a:t>} </a:t>
+            </a:r>
+            <a:r>
+              <a:rPr lang="en-US" sz="2400" dirty="0"/>
+              <a:t>.</a:t>
+            </a:r>
+          </a:p>
+          <a:p>
+            <a:r>
+              <a:rPr lang="en-US" sz="2400" dirty="0"/>
+              <a:t>?var1 ?p4 ?var4 </a:t>
+            </a:r>
+            <a:r>
+              <a:rPr lang="en-US" sz="2400" dirty="0" smtClean="0"/>
+              <a:t>.</a:t>
+            </a:r>
+          </a:p>
+          <a:p>
+            <a:r>
+              <a:rPr lang="en-US" sz="2400" dirty="0"/>
+              <a:t>filter (?var4 </a:t>
+            </a:r>
+            <a:r>
+              <a:rPr lang="en-US" sz="2400" dirty="0" smtClean="0"/>
+              <a:t>&gt; 30000</a:t>
+            </a:r>
+            <a:r>
+              <a:rPr lang="en-US" sz="2400" dirty="0"/>
+              <a:t>) .</a:t>
+            </a:r>
+            <a:endParaRPr lang="ru-RU" sz="2400" dirty="0"/>
+          </a:p>
+          <a:p>
+            <a:endParaRPr lang="en-US" sz="2400" dirty="0"/>
           </a:p>
         </p:txBody>
       </p:sp>
     </p:spTree>
     <p:extLst>
       <p:ext uri="{BB962C8B-B14F-4D97-AF65-F5344CB8AC3E}">
-        <p14:creationId xmlns:p14="http://schemas.microsoft.com/office/powerpoint/2010/main" val="3511661999"/>
+        <p14:creationId xmlns:p14="http://schemas.microsoft.com/office/powerpoint/2010/main" val="2946279800"/>
       </p:ext>
     </p:extLst>
   </p:cSld>
   <p:clrMapOvr>
     <a:masterClrMapping/>
   </p:clrMapOvr>
+  <p:timing>
+    <p:tnLst>
+      <p:par>
+        <p:cTn id="1" dur="indefinite" restart="never" nodeType="tmRoot"/>
+      </p:par>
+    </p:tnLst>
+  </p:timing>
 </p:sld>
 </file>
 
@@ -9167,7 +11429,7 @@
             <a:pPr algn="ctr"/>
             <a:r>
               <a:rPr lang="ru-RU" dirty="0" smtClean="0"/>
-              <a:t>Интерфейс приложения</a:t>
+              <a:t>Средства разработки</a:t>
             </a:r>
             <a:endParaRPr lang="ru-RU" dirty="0"/>
           </a:p>
@@ -9183,25 +11445,201 @@
             <p:ph idx="1"/>
           </p:nvPr>
         </p:nvSpPr>
-        <p:spPr/>
-        <p:txBody>
-          <a:bodyPr/>
+        <p:spPr>
+          <a:xfrm>
+            <a:off x="646111" y="1258159"/>
+            <a:ext cx="10705995" cy="5176824"/>
+          </a:xfrm>
+        </p:spPr>
+        <p:txBody>
+          <a:bodyPr>
+            <a:normAutofit/>
+          </a:bodyPr>
           <a:lstStyle/>
           <a:p>
-            <a:endParaRPr lang="ru-RU"/>
+            <a:pPr marL="0" indent="0">
+              <a:buNone/>
+            </a:pPr>
+            <a:r>
+              <a:rPr lang="ru-RU" sz="2600" dirty="0" smtClean="0"/>
+              <a:t>Для</a:t>
+            </a:r>
+            <a:r>
+              <a:rPr lang="en-US" sz="2600" dirty="0" smtClean="0"/>
+              <a:t> </a:t>
+            </a:r>
+            <a:r>
+              <a:rPr lang="ru-RU" sz="2600" dirty="0" smtClean="0"/>
+              <a:t>программной реализации приложения была выбрана платформа </a:t>
+            </a:r>
+            <a:r>
+              <a:rPr lang="ru-RU" sz="2600" b="1" dirty="0" smtClean="0"/>
+              <a:t>.</a:t>
+            </a:r>
+            <a:r>
+              <a:rPr lang="en-US" sz="2600" b="1" dirty="0" smtClean="0"/>
+              <a:t>NET </a:t>
+            </a:r>
+            <a:r>
+              <a:rPr lang="ru-RU" sz="2600" dirty="0" smtClean="0"/>
+              <a:t>(версия </a:t>
+            </a:r>
+            <a:r>
+              <a:rPr lang="en-US" sz="2600" dirty="0" smtClean="0"/>
+              <a:t>.NET6</a:t>
+            </a:r>
+            <a:r>
+              <a:rPr lang="ru-RU" sz="2600" dirty="0" smtClean="0"/>
+              <a:t>).</a:t>
+            </a:r>
+          </a:p>
+          <a:p>
+            <a:pPr marL="0" indent="0">
+              <a:buNone/>
+            </a:pPr>
+            <a:r>
+              <a:rPr lang="ru-RU" sz="2600" dirty="0"/>
+              <a:t>В качестве СУБД выбрана </a:t>
+            </a:r>
+            <a:r>
+              <a:rPr lang="en-US" sz="2600" b="1" dirty="0"/>
+              <a:t>PostgreSQL</a:t>
+            </a:r>
+            <a:r>
+              <a:rPr lang="en-US" sz="2600" dirty="0"/>
+              <a:t>.</a:t>
+            </a:r>
+            <a:endParaRPr lang="ru-RU" sz="2600" dirty="0"/>
+          </a:p>
+          <a:p>
+            <a:pPr marL="0" indent="0">
+              <a:buNone/>
+            </a:pPr>
+            <a:endParaRPr lang="en-US" sz="2600" dirty="0" smtClean="0"/>
+          </a:p>
+          <a:p>
+            <a:pPr marL="0" indent="0">
+              <a:buNone/>
+            </a:pPr>
+            <a:r>
+              <a:rPr lang="ru-RU" sz="2600" dirty="0" smtClean="0"/>
+              <a:t>Использовались следующие инструменты и технологии, предоставляемые платформой </a:t>
+            </a:r>
+            <a:r>
+              <a:rPr lang="en-US" sz="2600" dirty="0" smtClean="0"/>
+              <a:t>.NET</a:t>
+            </a:r>
+            <a:r>
+              <a:rPr lang="ru-RU" sz="2600" dirty="0" smtClean="0"/>
+              <a:t>:</a:t>
+            </a:r>
+          </a:p>
+          <a:p>
+            <a:r>
+              <a:rPr lang="en-US" sz="2600" b="1" dirty="0" smtClean="0"/>
+              <a:t>LINQ to Entity </a:t>
+            </a:r>
+            <a:r>
+              <a:rPr lang="en-US" sz="2600" b="1" dirty="0" err="1" smtClean="0"/>
+              <a:t>Framwork</a:t>
+            </a:r>
+            <a:r>
+              <a:rPr lang="en-US" sz="2600" b="1" dirty="0" smtClean="0"/>
+              <a:t> </a:t>
+            </a:r>
+            <a:r>
+              <a:rPr lang="en-US" sz="2600" dirty="0" smtClean="0"/>
+              <a:t>(</a:t>
+            </a:r>
+            <a:r>
+              <a:rPr lang="ru-RU" sz="2600" dirty="0" smtClean="0"/>
+              <a:t>работа с базой данных</a:t>
+            </a:r>
+            <a:r>
+              <a:rPr lang="en-US" sz="2600" dirty="0" smtClean="0"/>
+              <a:t>)</a:t>
+            </a:r>
+            <a:r>
+              <a:rPr lang="ru-RU" sz="2600" dirty="0" smtClean="0"/>
+              <a:t>,</a:t>
+            </a:r>
+          </a:p>
+          <a:p>
+            <a:r>
+              <a:rPr lang="en-US" sz="2600" b="1" dirty="0" err="1" smtClean="0"/>
+              <a:t>DeepMorphy</a:t>
+            </a:r>
+            <a:r>
+              <a:rPr lang="en-US" sz="2600" dirty="0" smtClean="0"/>
+              <a:t> </a:t>
+            </a:r>
+            <a:r>
+              <a:rPr lang="ru-RU" sz="2600" dirty="0" smtClean="0"/>
+              <a:t>(определение морфологических признаков),</a:t>
+            </a:r>
+          </a:p>
+          <a:p>
+            <a:r>
+              <a:rPr lang="en-US" sz="2600" b="1" dirty="0" err="1" smtClean="0"/>
+              <a:t>dotNetRdf</a:t>
+            </a:r>
+            <a:r>
+              <a:rPr lang="en-US" sz="2600" dirty="0" smtClean="0"/>
+              <a:t> </a:t>
+            </a:r>
+            <a:r>
+              <a:rPr lang="ru-RU" sz="2600" dirty="0" smtClean="0"/>
+              <a:t>(выполнение </a:t>
+            </a:r>
+            <a:r>
+              <a:rPr lang="en-US" sz="2600" dirty="0" smtClean="0"/>
+              <a:t>SPARQL</a:t>
+            </a:r>
+            <a:r>
+              <a:rPr lang="ru-RU" sz="2600" dirty="0" smtClean="0"/>
+              <a:t>-запросов),</a:t>
+            </a:r>
+          </a:p>
+          <a:p>
+            <a:r>
+              <a:rPr lang="en-US" sz="2600" b="1" dirty="0" smtClean="0"/>
+              <a:t>WPF</a:t>
+            </a:r>
+            <a:r>
+              <a:rPr lang="en-US" sz="2600" dirty="0" smtClean="0"/>
+              <a:t> </a:t>
+            </a:r>
+            <a:r>
+              <a:rPr lang="ru-RU" sz="2600" dirty="0" smtClean="0"/>
+              <a:t>(оконное приложение)</a:t>
+            </a:r>
+            <a:endParaRPr lang="en-US" sz="2600" dirty="0" smtClean="0"/>
+          </a:p>
+          <a:p>
+            <a:pPr marL="0" indent="0">
+              <a:buNone/>
+            </a:pPr>
+            <a:endParaRPr lang="ru-RU" dirty="0" smtClean="0"/>
           </a:p>
         </p:txBody>
       </p:sp>
     </p:spTree>
     <p:extLst>
       <p:ext uri="{BB962C8B-B14F-4D97-AF65-F5344CB8AC3E}">
-        <p14:creationId xmlns:p14="http://schemas.microsoft.com/office/powerpoint/2010/main" val="3440802794"/>
+        <p14:creationId xmlns:p14="http://schemas.microsoft.com/office/powerpoint/2010/main" val="3511661999"/>
       </p:ext>
     </p:extLst>
   </p:cSld>
   <p:clrMapOvr>
     <a:masterClrMapping/>
   </p:clrMapOvr>
+  <p:timing>
+    <p:tnLst>
+      <p:par>
+        <p:cTn id="1" dur="indefinite" restart="never" nodeType="tmRoot"/>
+      </p:par>
+    </p:tnLst>
+  </p:timing>
 </p:sld>
 </file>
 
@@ -9237,9 +11675,10 @@
           <a:bodyPr/>
           <a:lstStyle/>
           <a:p>
+            <a:pPr algn="ctr"/>
             <a:r>
               <a:rPr lang="ru-RU" dirty="0" smtClean="0"/>
-              <a:t>*Скриншоты</a:t>
+              <a:t>Интерфейс приложения</a:t>
             </a:r>
             <a:endParaRPr lang="ru-RU" dirty="0"/>
           </a:p>
@@ -9255,25 +11694,37 @@
             <p:ph idx="1"/>
           </p:nvPr>
         </p:nvSpPr>
-        <p:spPr/>
+        <p:spPr>
+          <a:xfrm>
+            <a:off x="1274227" y="1863721"/>
+            <a:ext cx="8946541" cy="4195481"/>
+          </a:xfrm>
+        </p:spPr>
         <p:txBody>
           <a:bodyPr/>
           <a:lstStyle/>
           <a:p>
-            <a:endParaRPr lang="ru-RU"/>
+            <a:endParaRPr lang="ru-RU" dirty="0"/>
           </a:p>
         </p:txBody>
       </p:sp>
     </p:spTree>
     <p:extLst>
       <p:ext uri="{BB962C8B-B14F-4D97-AF65-F5344CB8AC3E}">
-        <p14:creationId xmlns:p14="http://schemas.microsoft.com/office/powerpoint/2010/main" val="1941963928"/>
+        <p14:creationId xmlns:p14="http://schemas.microsoft.com/office/powerpoint/2010/main" val="3440802794"/>
       </p:ext>
     </p:extLst>
   </p:cSld>
   <p:clrMapOvr>
     <a:masterClrMapping/>
   </p:clrMapOvr>
+  <p:timing>
+    <p:tnLst>
+      <p:par>
+        <p:cTn id="1" dur="indefinite" restart="never" nodeType="tmRoot"/>
+      </p:par>
+    </p:tnLst>
+  </p:timing>
 </p:sld>
 </file>
 
@@ -9309,6 +11760,85 @@
           <a:bodyPr/>
           <a:lstStyle/>
           <a:p>
+            <a:r>
+              <a:rPr lang="ru-RU" dirty="0" smtClean="0"/>
+              <a:t>*Скриншоты</a:t>
+            </a:r>
+            <a:endParaRPr lang="ru-RU" dirty="0"/>
+          </a:p>
+        </p:txBody>
+      </p:sp>
+      <p:sp>
+        <p:nvSpPr>
+          <p:cNvPr id="3" name="Объект 2"/>
+          <p:cNvSpPr>
+            <a:spLocks noGrp="1"/>
+          </p:cNvSpPr>
+          <p:nvPr>
+            <p:ph idx="1"/>
+          </p:nvPr>
+        </p:nvSpPr>
+        <p:spPr/>
+        <p:txBody>
+          <a:bodyPr/>
+          <a:lstStyle/>
+          <a:p>
+            <a:endParaRPr lang="ru-RU"/>
+          </a:p>
+        </p:txBody>
+      </p:sp>
+    </p:spTree>
+    <p:extLst>
+      <p:ext uri="{BB962C8B-B14F-4D97-AF65-F5344CB8AC3E}">
+        <p14:creationId xmlns:p14="http://schemas.microsoft.com/office/powerpoint/2010/main" val="1941963928"/>
+      </p:ext>
+    </p:extLst>
+  </p:cSld>
+  <p:clrMapOvr>
+    <a:masterClrMapping/>
+  </p:clrMapOvr>
+  <p:timing>
+    <p:tnLst>
+      <p:par>
+        <p:cTn id="1" dur="indefinite" restart="never" nodeType="tmRoot"/>
+      </p:par>
+    </p:tnLst>
+  </p:timing>
+</p:sld>
+</file>
+
+<file path=ppt/slides/slide27.xml><?xml version="1.0" encoding="utf-8"?>
+<p:sld xmlns:a="http://schemas.openxmlformats.org/drawingml/2006/main" xmlns:r="http://schemas.openxmlformats.org/officeDocument/2006/relationships" xmlns:p="http://schemas.openxmlformats.org/presentationml/2006/main">
+  <p:cSld>
+    <p:spTree>
+      <p:nvGrpSpPr>
+        <p:cNvPr id="1" name=""/>
+        <p:cNvGrpSpPr/>
+        <p:nvPr/>
+      </p:nvGrpSpPr>
+      <p:grpSpPr>
+        <a:xfrm>
+          <a:off x="0" y="0"/>
+          <a:ext cx="0" cy="0"/>
+          <a:chOff x="0" y="0"/>
+          <a:chExt cx="0" cy="0"/>
+        </a:xfrm>
+      </p:grpSpPr>
+      <p:sp>
+        <p:nvSpPr>
+          <p:cNvPr id="2" name="Заголовок 1"/>
+          <p:cNvSpPr>
+            <a:spLocks noGrp="1"/>
+          </p:cNvSpPr>
+          <p:nvPr>
+            <p:ph type="title"/>
+          </p:nvPr>
+        </p:nvSpPr>
+        <p:spPr/>
+        <p:txBody>
+          <a:bodyPr/>
+          <a:lstStyle/>
+          <a:p>
             <a:pPr algn="ctr"/>
             <a:r>
               <a:rPr lang="ru-RU" dirty="0" smtClean="0"/>
@@ -9333,7 +11863,7 @@
           <a:bodyPr/>
           <a:lstStyle/>
           <a:p>
-            <a:endParaRPr lang="ru-RU"/>
+            <a:endParaRPr lang="ru-RU" dirty="0"/>
           </a:p>
         </p:txBody>
       </p:sp>
@@ -9347,10 +11877,17 @@
   <p:clrMapOvr>
     <a:masterClrMapping/>
   </p:clrMapOvr>
+  <p:timing>
+    <p:tnLst>
+      <p:par>
+        <p:cTn id="1" dur="indefinite" restart="never" nodeType="tmRoot"/>
+      </p:par>
+    </p:tnLst>
+  </p:timing>
 </p:sld>
 </file>
 
-<file path=ppt/slides/slide27.xml><?xml version="1.0" encoding="utf-8"?>
+<file path=ppt/slides/slide28.xml><?xml version="1.0" encoding="utf-8"?>
 <p:sld xmlns:a="http://schemas.openxmlformats.org/drawingml/2006/main" xmlns:r="http://schemas.openxmlformats.org/officeDocument/2006/relationships" xmlns:p="http://schemas.openxmlformats.org/presentationml/2006/main">
   <p:cSld>
     <p:spTree>
@@ -9916,13 +12453,7 @@
               <a:rPr lang="ru-RU" sz="2000" dirty="0" smtClean="0">
                 <a:latin typeface="Century Gothic (Заголовки)"/>
               </a:rPr>
-              <a:t> профессор Фомичев </a:t>
-            </a:r>
-            <a:r>
-              <a:rPr lang="ru-RU" sz="2000" dirty="0" smtClean="0">
-                <a:latin typeface="Century Gothic (Заголовки)"/>
-              </a:rPr>
-              <a:t>В.А</a:t>
+              <a:t> профессор Фомичев В.А</a:t>
             </a:r>
             <a:r>
               <a:rPr lang="ru-RU" sz="2000" dirty="0">
@@ -9980,49 +12511,150 @@
             <p:ph type="title"/>
           </p:nvPr>
         </p:nvSpPr>
-        <p:spPr/>
+        <p:spPr>
+          <a:xfrm>
+            <a:off x="1310345" y="377498"/>
+            <a:ext cx="9404723" cy="1400530"/>
+          </a:xfrm>
+        </p:spPr>
         <p:txBody>
           <a:bodyPr/>
           <a:lstStyle/>
           <a:p>
             <a:pPr algn="ctr"/>
             <a:r>
-              <a:rPr lang="ru-RU" dirty="0" smtClean="0"/>
-              <a:t>Актуальность</a:t>
-            </a:r>
-            <a:endParaRPr lang="ru-RU" dirty="0"/>
-          </a:p>
-        </p:txBody>
-      </p:sp>
-      <p:sp>
-        <p:nvSpPr>
-          <p:cNvPr id="3" name="Объект 2"/>
-          <p:cNvSpPr>
-            <a:spLocks noGrp="1"/>
-          </p:cNvSpPr>
-          <p:nvPr>
-            <p:ph idx="1"/>
-          </p:nvPr>
-        </p:nvSpPr>
-        <p:spPr/>
-        <p:txBody>
-          <a:bodyPr/>
+              <a:rPr lang="ru-RU" dirty="0" smtClean="0">
+                <a:latin typeface="Century Gothic (Заголовки)"/>
+              </a:rPr>
+              <a:t>Цели и задачи</a:t>
+            </a:r>
+            <a:endParaRPr lang="ru-RU" dirty="0">
+              <a:latin typeface="Century Gothic (Заголовки)"/>
+            </a:endParaRPr>
+          </a:p>
+        </p:txBody>
+      </p:sp>
+      <p:sp>
+        <p:nvSpPr>
+          <p:cNvPr id="3" name="TextBox 2"/>
+          <p:cNvSpPr txBox="1"/>
+          <p:nvPr/>
+        </p:nvSpPr>
+        <p:spPr>
+          <a:xfrm>
+            <a:off x="748689" y="1605308"/>
+            <a:ext cx="10920549" cy="4401205"/>
+          </a:xfrm>
+          <a:prstGeom prst="rect">
+            <a:avLst/>
+          </a:prstGeom>
+          <a:noFill/>
+        </p:spPr>
+        <p:txBody>
+          <a:bodyPr wrap="square" rtlCol="0">
+            <a:spAutoFit/>
+          </a:bodyPr>
           <a:lstStyle/>
           <a:p>
-            <a:endParaRPr lang="ru-RU"/>
+            <a:r>
+              <a:rPr lang="ru-RU" sz="2800" dirty="0" smtClean="0">
+                <a:latin typeface="Century Gothic (Заголовки)"/>
+              </a:rPr>
+              <a:t>Необходимо реализовать семантически-ориентированный естественно-языковой интерфейс для взаимодействия с системой открытых данных.</a:t>
+            </a:r>
+            <a:endParaRPr lang="en-US" sz="2800" dirty="0" smtClean="0">
+              <a:latin typeface="Century Gothic (Заголовки)"/>
+            </a:endParaRPr>
+          </a:p>
+          <a:p>
+            <a:endParaRPr lang="ru-RU" sz="2800" dirty="0" smtClean="0">
+              <a:latin typeface="Century Gothic (Заголовки)"/>
+            </a:endParaRPr>
+          </a:p>
+          <a:p>
+            <a:r>
+              <a:rPr lang="ru-RU" sz="2800" dirty="0" smtClean="0">
+                <a:latin typeface="Century Gothic (Заголовки)"/>
+              </a:rPr>
+              <a:t>Для этого необходимо:</a:t>
+            </a:r>
+          </a:p>
+          <a:p>
+            <a:pPr marL="457200" indent="-457200">
+              <a:buFont typeface="Arial" panose="020B0604020202020204" pitchFamily="34" charset="0"/>
+              <a:buChar char="•"/>
+            </a:pPr>
+            <a:r>
+              <a:rPr lang="ru-RU" sz="2800" dirty="0" smtClean="0">
+                <a:latin typeface="Century Gothic (Заголовки)"/>
+              </a:rPr>
+              <a:t>выбрать подход к описанию семантического представления текста на естественном языке;</a:t>
+            </a:r>
+          </a:p>
+          <a:p>
+            <a:pPr marL="457200" indent="-457200">
+              <a:buFont typeface="Arial" panose="020B0604020202020204" pitchFamily="34" charset="0"/>
+              <a:buChar char="•"/>
+            </a:pPr>
+            <a:r>
+              <a:rPr lang="ru-RU" sz="2800" dirty="0">
+                <a:latin typeface="Century Gothic (Заголовки)"/>
+              </a:rPr>
+              <a:t>р</a:t>
+            </a:r>
+            <a:r>
+              <a:rPr lang="ru-RU" sz="2800" dirty="0" smtClean="0">
+                <a:latin typeface="Century Gothic (Заголовки)"/>
+              </a:rPr>
+              <a:t>азработать алгоритм построения запроса к </a:t>
+            </a:r>
+            <a:r>
+              <a:rPr lang="en-US" sz="2800" dirty="0" smtClean="0">
+                <a:latin typeface="Century Gothic (Заголовки)"/>
+              </a:rPr>
+              <a:t>LOD </a:t>
+            </a:r>
+            <a:r>
+              <a:rPr lang="ru-RU" sz="2800" dirty="0" smtClean="0">
+                <a:latin typeface="Century Gothic (Заголовки)"/>
+              </a:rPr>
+              <a:t>на языке </a:t>
+            </a:r>
+            <a:r>
+              <a:rPr lang="en-US" sz="2800" dirty="0" smtClean="0">
+                <a:latin typeface="Century Gothic (Заголовки)"/>
+              </a:rPr>
+              <a:t>SPARQL </a:t>
+            </a:r>
+            <a:r>
+              <a:rPr lang="ru-RU" sz="2800" dirty="0" smtClean="0">
+                <a:latin typeface="Century Gothic (Заголовки)"/>
+              </a:rPr>
+              <a:t>по семантическому представлению исходного запроса на ЕЯ.</a:t>
+            </a:r>
+            <a:endParaRPr lang="ru-RU" sz="2800" dirty="0">
+              <a:latin typeface="Century Gothic (Заголовки)"/>
+            </a:endParaRPr>
           </a:p>
         </p:txBody>
       </p:sp>
     </p:spTree>
     <p:extLst>
       <p:ext uri="{BB962C8B-B14F-4D97-AF65-F5344CB8AC3E}">
-        <p14:creationId xmlns:p14="http://schemas.microsoft.com/office/powerpoint/2010/main" val="2789630774"/>
+        <p14:creationId xmlns:p14="http://schemas.microsoft.com/office/powerpoint/2010/main" val="1684067614"/>
       </p:ext>
     </p:extLst>
   </p:cSld>
   <p:clrMapOvr>
     <a:masterClrMapping/>
   </p:clrMapOvr>
+  <p:timing>
+    <p:tnLst>
+      <p:par>
+        <p:cTn id="1" dur="indefinite" restart="never" nodeType="tmRoot"/>
+      </p:par>
+    </p:tnLst>
+  </p:timing>
 </p:sld>
 </file>
 
@@ -10543,7 +13175,9 @@
           </a:xfrm>
         </p:spPr>
         <p:txBody>
-          <a:bodyPr/>
+          <a:bodyPr>
+            <a:normAutofit fontScale="90000"/>
+          </a:bodyPr>
           <a:lstStyle/>
           <a:p>
             <a:pPr algn="ctr"/>
@@ -11153,6 +13787,35 @@
           <a:chExt cx="0" cy="0"/>
         </a:xfrm>
       </p:grpSpPr>
+      <p:sp>
+        <p:nvSpPr>
+          <p:cNvPr id="10" name="Заголовок 1"/>
+          <p:cNvSpPr>
+            <a:spLocks noGrp="1"/>
+          </p:cNvSpPr>
+          <p:nvPr>
+            <p:ph type="title"/>
+          </p:nvPr>
+        </p:nvSpPr>
+        <p:spPr>
+          <a:xfrm>
+            <a:off x="1205847" y="211177"/>
+            <a:ext cx="9404723" cy="774343"/>
+          </a:xfrm>
+        </p:spPr>
+        <p:txBody>
+          <a:bodyPr/>
+          <a:lstStyle/>
+          <a:p>
+            <a:pPr algn="ctr"/>
+            <a:r>
+              <a:rPr lang="ru-RU" dirty="0" smtClean="0"/>
+              <a:t>Сравнение подходов</a:t>
+            </a:r>
+            <a:endParaRPr lang="ru-RU" dirty="0"/>
+          </a:p>
+        </p:txBody>
+      </p:sp>
       <p:graphicFrame>
         <p:nvGraphicFramePr>
           <p:cNvPr id="7" name="Объект 6"/>
@@ -11163,7 +13826,7 @@
             <p:ph idx="1"/>
             <p:extLst>
               <p:ext uri="{D42A27DB-BD31-4B8C-83A1-F6EECF244321}">
-                <p14:modId xmlns:p14="http://schemas.microsoft.com/office/powerpoint/2010/main" val="4039720831"/>
+                <p14:modId xmlns:p14="http://schemas.microsoft.com/office/powerpoint/2010/main" val="2380065106"/>
               </p:ext>
             </p:extLst>
           </p:nvPr>
@@ -11176,7 +13839,7 @@
           <a:graphicData uri="http://schemas.openxmlformats.org/drawingml/2006/table">
             <a:tbl>
               <a:tblPr firstRow="1" bandRow="1">
-                <a:tableStyleId>{5C22544A-7EE6-4342-B048-85BDC9FD1C3A}</a:tableStyleId>
+                <a:tableStyleId>{5940675A-B579-460E-94D1-54222C63F5DA}</a:tableStyleId>
               </a:tblPr>
               <a:tblGrid>
                 <a:gridCol w="3048000">
@@ -11216,12 +13879,18 @@
                     <a:p>
                       <a:r>
                         <a:rPr lang="ru-RU" sz="2000" b="1" dirty="0" smtClean="0"/>
-                        <a:t>Параметр</a:t>
+                        <a:t>Критерий</a:t>
                       </a:r>
                       <a:endParaRPr lang="ru-RU" sz="2000" b="1" dirty="0"/>
                     </a:p>
                   </a:txBody>
-                  <a:tcPr/>
+                  <a:tcPr>
+                    <a:solidFill>
+                      <a:schemeClr val="tx2">
+                        <a:lumMod val="50000"/>
+                      </a:schemeClr>
+                    </a:solidFill>
+                  </a:tcPr>
                 </a:tc>
                 <a:tc>
                   <a:txBody>
@@ -11229,17 +13898,23 @@
                     <a:lstStyle/>
                     <a:p>
                       <a:r>
-                        <a:rPr lang="ru-RU" sz="2000" dirty="0" smtClean="0"/>
+                        <a:rPr lang="ru-RU" sz="2000" b="1" dirty="0" smtClean="0"/>
                         <a:t>Абстрактное</a:t>
                       </a:r>
                       <a:r>
-                        <a:rPr lang="ru-RU" sz="2000" baseline="0" dirty="0" smtClean="0"/>
+                        <a:rPr lang="ru-RU" sz="2000" b="1" baseline="0" dirty="0" smtClean="0"/>
                         <a:t> представление смысла</a:t>
                       </a:r>
-                      <a:endParaRPr lang="ru-RU" sz="2000" dirty="0"/>
+                      <a:endParaRPr lang="ru-RU" sz="2000" b="1" dirty="0"/>
                     </a:p>
                   </a:txBody>
-                  <a:tcPr/>
+                  <a:tcPr>
+                    <a:solidFill>
+                      <a:schemeClr val="tx2">
+                        <a:lumMod val="50000"/>
+                      </a:schemeClr>
+                    </a:solidFill>
+                  </a:tcPr>
                 </a:tc>
                 <a:tc>
                   <a:txBody>
@@ -11247,13 +13922,19 @@
                     <a:lstStyle/>
                     <a:p>
                       <a:r>
-                        <a:rPr lang="ru-RU" sz="2000" dirty="0" smtClean="0"/>
+                        <a:rPr lang="ru-RU" sz="2000" b="1" dirty="0" smtClean="0"/>
                         <a:t>Грамматика Монтегю</a:t>
                       </a:r>
-                      <a:endParaRPr lang="ru-RU" sz="2000" dirty="0"/>
+                      <a:endParaRPr lang="ru-RU" sz="2000" b="1" dirty="0"/>
                     </a:p>
                   </a:txBody>
-                  <a:tcPr/>
+                  <a:tcPr>
+                    <a:solidFill>
+                      <a:schemeClr val="tx2">
+                        <a:lumMod val="50000"/>
+                      </a:schemeClr>
+                    </a:solidFill>
+                  </a:tcPr>
                 </a:tc>
                 <a:tc>
                   <a:txBody>
@@ -11261,24 +13942,30 @@
                     <a:lstStyle/>
                     <a:p>
                       <a:r>
-                        <a:rPr lang="ru-RU" sz="2000" dirty="0" smtClean="0"/>
+                        <a:rPr lang="ru-RU" sz="2000" b="1" dirty="0" smtClean="0"/>
                         <a:t>Теория</a:t>
                       </a:r>
                       <a:r>
-                        <a:rPr lang="ru-RU" sz="2000" baseline="0" dirty="0" smtClean="0"/>
+                        <a:rPr lang="ru-RU" sz="2000" b="1" baseline="0" dirty="0" smtClean="0"/>
                         <a:t> К-представлений </a:t>
                       </a:r>
                       <a:br>
-                        <a:rPr lang="ru-RU" sz="2000" baseline="0" dirty="0" smtClean="0"/>
+                        <a:rPr lang="ru-RU" sz="2000" b="1" baseline="0" dirty="0" smtClean="0"/>
                       </a:br>
                       <a:r>
-                        <a:rPr lang="ru-RU" sz="2000" baseline="0" dirty="0" smtClean="0"/>
+                        <a:rPr lang="ru-RU" sz="2000" b="1" baseline="0" dirty="0" smtClean="0"/>
                         <a:t>В.А. Фомичева</a:t>
                       </a:r>
-                      <a:endParaRPr lang="ru-RU" sz="2000" dirty="0"/>
+                      <a:endParaRPr lang="ru-RU" sz="2000" b="1" dirty="0"/>
                     </a:p>
                   </a:txBody>
-                  <a:tcPr/>
+                  <a:tcPr>
+                    <a:solidFill>
+                      <a:schemeClr val="tx2">
+                        <a:lumMod val="50000"/>
+                      </a:schemeClr>
+                    </a:solidFill>
+                  </a:tcPr>
                 </a:tc>
                 <a:extLst>
                   <a:ext uri="{0D108BD9-81ED-4DB2-BD59-A6C34878D82A}">
@@ -11293,10 +13980,10 @@
                     <a:lstStyle/>
                     <a:p>
                       <a:r>
-                        <a:rPr lang="ru-RU" sz="2000" b="1" dirty="0" smtClean="0"/>
+                        <a:rPr lang="ru-RU" sz="1800" dirty="0" smtClean="0"/>
                         <a:t>Язык текста</a:t>
                       </a:r>
-                      <a:endParaRPr lang="ru-RU" sz="2000" b="1" dirty="0"/>
+                      <a:endParaRPr lang="ru-RU" sz="1800" b="1" dirty="0"/>
                     </a:p>
                   </a:txBody>
                   <a:tcPr/>
@@ -11307,10 +13994,10 @@
                     <a:lstStyle/>
                     <a:p>
                       <a:r>
-                        <a:rPr lang="ru-RU" sz="2000" dirty="0" smtClean="0"/>
+                        <a:rPr lang="ru-RU" sz="1800" dirty="0" smtClean="0"/>
                         <a:t>Английский</a:t>
                       </a:r>
-                      <a:endParaRPr lang="ru-RU" sz="2000" dirty="0"/>
+                      <a:endParaRPr lang="ru-RU" sz="1800" dirty="0"/>
                     </a:p>
                   </a:txBody>
                   <a:tcPr/>
@@ -11321,10 +14008,10 @@
                     <a:lstStyle/>
                     <a:p>
                       <a:r>
-                        <a:rPr lang="ru-RU" sz="2000" dirty="0" smtClean="0"/>
+                        <a:rPr lang="ru-RU" sz="1800" dirty="0" smtClean="0"/>
                         <a:t>Английский</a:t>
                       </a:r>
-                      <a:endParaRPr lang="ru-RU" sz="2000" dirty="0"/>
+                      <a:endParaRPr lang="ru-RU" sz="1800" dirty="0"/>
                     </a:p>
                   </a:txBody>
                   <a:tcPr/>
@@ -11335,14 +14022,14 @@
                     <a:lstStyle/>
                     <a:p>
                       <a:r>
-                        <a:rPr lang="ru-RU" sz="2000" dirty="0" smtClean="0"/>
+                        <a:rPr lang="ru-RU" sz="1800" dirty="0" smtClean="0"/>
                         <a:t>Русский, Немецкий,</a:t>
                       </a:r>
                       <a:r>
-                        <a:rPr lang="ru-RU" sz="2000" baseline="0" dirty="0" smtClean="0"/>
+                        <a:rPr lang="ru-RU" sz="1800" baseline="0" dirty="0" smtClean="0"/>
                         <a:t> Французский, Английский</a:t>
                       </a:r>
-                      <a:endParaRPr lang="ru-RU" sz="2000" dirty="0"/>
+                      <a:endParaRPr lang="ru-RU" sz="1800" dirty="0"/>
                     </a:p>
                   </a:txBody>
                   <a:tcPr/>
@@ -11360,10 +14047,10 @@
                     <a:lstStyle/>
                     <a:p>
                       <a:r>
-                        <a:rPr lang="ru-RU" sz="2000" b="1" dirty="0" smtClean="0"/>
+                        <a:rPr lang="ru-RU" sz="1800" dirty="0" smtClean="0"/>
                         <a:t>Типы текстов</a:t>
                       </a:r>
-                      <a:endParaRPr lang="ru-RU" sz="2000" b="1" dirty="0"/>
+                      <a:endParaRPr lang="ru-RU" sz="1800" b="1" dirty="0"/>
                     </a:p>
                   </a:txBody>
                   <a:tcPr/>
@@ -11374,10 +14061,10 @@
                     <a:lstStyle/>
                     <a:p>
                       <a:r>
-                        <a:rPr lang="ru-RU" sz="2000" baseline="0" dirty="0" smtClean="0"/>
+                        <a:rPr lang="ru-RU" sz="1800" baseline="0" dirty="0" smtClean="0"/>
                         <a:t>Повествовательные предложения</a:t>
                       </a:r>
-                      <a:endParaRPr lang="ru-RU" sz="2000" dirty="0"/>
+                      <a:endParaRPr lang="ru-RU" sz="1800" dirty="0"/>
                     </a:p>
                   </a:txBody>
                   <a:tcPr/>
@@ -11388,14 +14075,14 @@
                     <a:lstStyle/>
                     <a:p>
                       <a:r>
-                        <a:rPr lang="ru-RU" sz="2000" dirty="0" smtClean="0"/>
+                        <a:rPr lang="ru-RU" sz="1800" dirty="0" smtClean="0"/>
                         <a:t>Повествовательные предложения</a:t>
                       </a:r>
                       <a:r>
-                        <a:rPr lang="ru-RU" sz="2000" baseline="0" dirty="0" smtClean="0"/>
+                        <a:rPr lang="ru-RU" sz="1800" baseline="0" dirty="0" smtClean="0"/>
                         <a:t> и вопросы</a:t>
                       </a:r>
-                      <a:endParaRPr lang="ru-RU" sz="2000" dirty="0"/>
+                      <a:endParaRPr lang="ru-RU" sz="1800" dirty="0"/>
                     </a:p>
                   </a:txBody>
                   <a:tcPr/>
@@ -11406,20 +14093,20 @@
                     <a:lstStyle/>
                     <a:p>
                       <a:r>
-                        <a:rPr lang="ru-RU" sz="2000" dirty="0" smtClean="0"/>
+                        <a:rPr lang="ru-RU" sz="1800" dirty="0" smtClean="0"/>
                         <a:t>Фразы-высказывания,</a:t>
                       </a:r>
                       <a:r>
-                        <a:rPr lang="ru-RU" sz="2000" baseline="0" dirty="0" smtClean="0"/>
+                        <a:rPr lang="ru-RU" sz="1800" baseline="0" dirty="0" smtClean="0"/>
                         <a:t> повествовательные тексты, </a:t>
                       </a:r>
                     </a:p>
                     <a:p>
                       <a:r>
-                        <a:rPr lang="ru-RU" sz="2000" baseline="0" dirty="0" smtClean="0"/>
+                        <a:rPr lang="ru-RU" sz="1800" baseline="0" dirty="0" smtClean="0"/>
                         <a:t>команды, вопросы</a:t>
                       </a:r>
-                      <a:endParaRPr lang="ru-RU" sz="2000" dirty="0"/>
+                      <a:endParaRPr lang="ru-RU" sz="1800" dirty="0"/>
                     </a:p>
                   </a:txBody>
                   <a:tcPr/>
@@ -11437,14 +14124,14 @@
                     <a:lstStyle/>
                     <a:p>
                       <a:r>
-                        <a:rPr lang="ru-RU" sz="2000" b="1" dirty="0" smtClean="0"/>
+                        <a:rPr lang="ru-RU" sz="1800" dirty="0" smtClean="0"/>
                         <a:t>Допустимая структура</a:t>
                       </a:r>
                       <a:r>
-                        <a:rPr lang="ru-RU" sz="2000" b="1" baseline="0" dirty="0" smtClean="0"/>
+                        <a:rPr lang="ru-RU" sz="1800" baseline="0" dirty="0" smtClean="0"/>
                         <a:t> текста</a:t>
                       </a:r>
-                      <a:endParaRPr lang="ru-RU" sz="2000" b="1" dirty="0"/>
+                      <a:endParaRPr lang="ru-RU" sz="1800" b="1" dirty="0"/>
                     </a:p>
                   </a:txBody>
                   <a:tcPr/>
@@ -11455,10 +14142,10 @@
                     <a:lstStyle/>
                     <a:p>
                       <a:r>
-                        <a:rPr lang="ru-RU" sz="2000" dirty="0" smtClean="0"/>
+                        <a:rPr lang="ru-RU" sz="1800" dirty="0" smtClean="0"/>
                         <a:t>Отдельное предложение</a:t>
                       </a:r>
-                      <a:endParaRPr lang="ru-RU" sz="2000" dirty="0"/>
+                      <a:endParaRPr lang="ru-RU" sz="1800" dirty="0"/>
                     </a:p>
                   </a:txBody>
                   <a:tcPr/>
@@ -11486,7 +14173,7 @@
                         <a:defRPr/>
                       </a:pPr>
                       <a:r>
-                        <a:rPr lang="ru-RU" sz="2000" dirty="0" smtClean="0"/>
+                        <a:rPr lang="ru-RU" sz="1800" dirty="0" smtClean="0"/>
                         <a:t>Отдельное предложение</a:t>
                       </a:r>
                     </a:p>
@@ -11516,18 +14203,18 @@
                         <a:defRPr/>
                       </a:pPr>
                       <a:r>
-                        <a:rPr lang="ru-RU" sz="2000" dirty="0" smtClean="0"/>
+                        <a:rPr lang="ru-RU" sz="1800" dirty="0" smtClean="0"/>
                         <a:t>Связный</a:t>
                       </a:r>
                       <a:r>
-                        <a:rPr lang="ru-RU" sz="2000" baseline="0" dirty="0" smtClean="0"/>
+                        <a:rPr lang="ru-RU" sz="1800" baseline="0" dirty="0" smtClean="0"/>
                         <a:t> текст наравне с о</a:t>
                       </a:r>
                       <a:r>
-                        <a:rPr lang="ru-RU" sz="2000" dirty="0" smtClean="0"/>
+                        <a:rPr lang="ru-RU" sz="1800" dirty="0" smtClean="0"/>
                         <a:t>тдельными предложениями</a:t>
                       </a:r>
-                      <a:endParaRPr lang="ru-RU" sz="2000" dirty="0"/>
+                      <a:endParaRPr lang="ru-RU" sz="1800" dirty="0"/>
                     </a:p>
                   </a:txBody>
                   <a:tcPr/>
@@ -11542,35 +14229,6 @@
           </a:graphicData>
         </a:graphic>
       </p:graphicFrame>
-      <p:sp>
-        <p:nvSpPr>
-          <p:cNvPr id="10" name="Заголовок 1"/>
-          <p:cNvSpPr>
-            <a:spLocks noGrp="1"/>
-          </p:cNvSpPr>
-          <p:nvPr>
-            <p:ph type="title"/>
-          </p:nvPr>
-        </p:nvSpPr>
-        <p:spPr>
-          <a:xfrm>
-            <a:off x="1205847" y="211177"/>
-            <a:ext cx="9404723" cy="774343"/>
-          </a:xfrm>
-        </p:spPr>
-        <p:txBody>
-          <a:bodyPr/>
-          <a:lstStyle/>
-          <a:p>
-            <a:pPr algn="ctr"/>
-            <a:r>
-              <a:rPr lang="ru-RU" dirty="0" smtClean="0"/>
-              <a:t>Сравнение подходов</a:t>
-            </a:r>
-            <a:endParaRPr lang="ru-RU" dirty="0"/>
-          </a:p>
-        </p:txBody>
-      </p:sp>
     </p:spTree>
     <p:extLst>
       <p:ext uri="{BB962C8B-B14F-4D97-AF65-F5344CB8AC3E}">
@@ -11626,7 +14284,7 @@
             <a:pPr algn="ctr"/>
             <a:r>
               <a:rPr lang="ru-RU" dirty="0" smtClean="0"/>
-              <a:t>Лингвистическая база данных</a:t>
+              <a:t>База данных</a:t>
             </a:r>
             <a:endParaRPr lang="ru-RU" dirty="0"/>
           </a:p>
@@ -11644,10 +14302,35 @@
         </p:nvSpPr>
         <p:spPr/>
         <p:txBody>
-          <a:bodyPr/>
+          <a:bodyPr>
+            <a:normAutofit/>
+          </a:bodyPr>
           <a:lstStyle/>
           <a:p>
-            <a:endParaRPr lang="ru-RU"/>
+            <a:r>
+              <a:rPr lang="ru-RU" sz="2800" dirty="0" smtClean="0"/>
+              <a:t>Морфологическая база данных</a:t>
+            </a:r>
+          </a:p>
+          <a:p>
+            <a:r>
+              <a:rPr lang="ru-RU" sz="2800" dirty="0" smtClean="0"/>
+              <a:t>Лексико-семантический словарь</a:t>
+            </a:r>
+          </a:p>
+          <a:p>
+            <a:r>
+              <a:rPr lang="ru-RU" sz="2800" dirty="0" smtClean="0"/>
+              <a:t>Словарь предложных фреймов</a:t>
+            </a:r>
+            <a:endParaRPr lang="ru-RU" sz="2800" dirty="0"/>
+          </a:p>
+          <a:p>
+            <a:r>
+              <a:rPr lang="ru-RU" sz="2800" dirty="0" smtClean="0"/>
+              <a:t>Компонент разрешения имен</a:t>
+            </a:r>
+            <a:endParaRPr lang="ru-RU" sz="2800" dirty="0"/>
           </a:p>
         </p:txBody>
       </p:sp>
@@ -11661,13 +14344,20 @@
   <p:clrMapOvr>
     <a:masterClrMapping/>
   </p:clrMapOvr>
+  <p:timing>
+    <p:tnLst>
+      <p:par>
+        <p:cTn id="1" dur="indefinite" restart="never" nodeType="tmRoot"/>
+      </p:par>
+    </p:tnLst>
+  </p:timing>
 </p:sld>
 </file>
 
 <file path=ppt/theme/theme1.xml><?xml version="1.0" encoding="utf-8"?>
 <a:theme xmlns:a="http://schemas.openxmlformats.org/drawingml/2006/main" name="Ион">
   <a:themeElements>
-    <a:clrScheme name="Ион">
+    <a:clrScheme name="Красный">
       <a:dk1>
         <a:sysClr val="windowText" lastClr="000000"/>
       </a:dk1>
@@ -11675,34 +14365,34 @@
         <a:sysClr val="window" lastClr="FFFFFF"/>
       </a:lt1>
       <a:dk2>
-        <a:srgbClr val="1E5155"/>
+        <a:srgbClr val="323232"/>
       </a:dk2>
       <a:lt2>
-        <a:srgbClr val="EBEBEB"/>
+        <a:srgbClr val="E5C243"/>
       </a:lt2>
       <a:accent1>
-        <a:srgbClr val="B01513"/>
+        <a:srgbClr val="A5300F"/>
       </a:accent1>
       <a:accent2>
-        <a:srgbClr val="EA6312"/>
+        <a:srgbClr val="D55816"/>
       </a:accent2>
       <a:accent3>
-        <a:srgbClr val="E6B729"/>
+        <a:srgbClr val="E19825"/>
       </a:accent3>
       <a:accent4>
-        <a:srgbClr val="6AAC90"/>
+        <a:srgbClr val="B19C7D"/>
       </a:accent4>
       <a:accent5>
-        <a:srgbClr val="54849A"/>
+        <a:srgbClr val="7F5F52"/>
       </a:accent5>
       <a:accent6>
-        <a:srgbClr val="9E5E9B"/>
+        <a:srgbClr val="B27D49"/>
       </a:accent6>
       <a:hlink>
-        <a:srgbClr val="58C1BA"/>
+        <a:srgbClr val="6B9F25"/>
       </a:hlink>
       <a:folHlink>
-        <a:srgbClr val="9DFFCB"/>
+        <a:srgbClr val="B26B02"/>
       </a:folHlink>
     </a:clrScheme>
     <a:fontScheme name="Ион">
